--- a/reference/软件开发流程.pptx
+++ b/reference/软件开发流程.pptx
@@ -5,39 +5,41 @@
     <p:sldMasterId id="2147483648" r:id="rId1"/>
   </p:sldMasterIdLst>
   <p:notesMasterIdLst>
-    <p:notesMasterId r:id="rId33"/>
+    <p:notesMasterId r:id="rId35"/>
   </p:notesMasterIdLst>
   <p:sldIdLst>
     <p:sldId id="256" r:id="rId3"/>
     <p:sldId id="297" r:id="rId4"/>
     <p:sldId id="257" r:id="rId5"/>
     <p:sldId id="258" r:id="rId6"/>
-    <p:sldId id="259" r:id="rId7"/>
-    <p:sldId id="260" r:id="rId8"/>
-    <p:sldId id="262" r:id="rId9"/>
-    <p:sldId id="263" r:id="rId10"/>
-    <p:sldId id="264" r:id="rId11"/>
-    <p:sldId id="265" r:id="rId12"/>
-    <p:sldId id="266" r:id="rId13"/>
-    <p:sldId id="267" r:id="rId14"/>
-    <p:sldId id="268" r:id="rId15"/>
-    <p:sldId id="271" r:id="rId16"/>
-    <p:sldId id="272" r:id="rId17"/>
-    <p:sldId id="273" r:id="rId18"/>
-    <p:sldId id="274" r:id="rId19"/>
-    <p:sldId id="276" r:id="rId20"/>
-    <p:sldId id="277" r:id="rId21"/>
-    <p:sldId id="278" r:id="rId22"/>
-    <p:sldId id="279" r:id="rId23"/>
-    <p:sldId id="280" r:id="rId24"/>
-    <p:sldId id="281" r:id="rId25"/>
-    <p:sldId id="282" r:id="rId26"/>
-    <p:sldId id="283" r:id="rId27"/>
-    <p:sldId id="284" r:id="rId28"/>
-    <p:sldId id="285" r:id="rId29"/>
-    <p:sldId id="286" r:id="rId30"/>
-    <p:sldId id="294" r:id="rId31"/>
-    <p:sldId id="295" r:id="rId32"/>
+    <p:sldId id="299" r:id="rId7"/>
+    <p:sldId id="298" r:id="rId8"/>
+    <p:sldId id="259" r:id="rId9"/>
+    <p:sldId id="260" r:id="rId10"/>
+    <p:sldId id="262" r:id="rId11"/>
+    <p:sldId id="263" r:id="rId12"/>
+    <p:sldId id="264" r:id="rId13"/>
+    <p:sldId id="265" r:id="rId14"/>
+    <p:sldId id="266" r:id="rId15"/>
+    <p:sldId id="267" r:id="rId16"/>
+    <p:sldId id="268" r:id="rId17"/>
+    <p:sldId id="271" r:id="rId18"/>
+    <p:sldId id="272" r:id="rId19"/>
+    <p:sldId id="273" r:id="rId20"/>
+    <p:sldId id="274" r:id="rId21"/>
+    <p:sldId id="276" r:id="rId22"/>
+    <p:sldId id="277" r:id="rId23"/>
+    <p:sldId id="278" r:id="rId24"/>
+    <p:sldId id="279" r:id="rId25"/>
+    <p:sldId id="280" r:id="rId26"/>
+    <p:sldId id="281" r:id="rId27"/>
+    <p:sldId id="282" r:id="rId28"/>
+    <p:sldId id="283" r:id="rId29"/>
+    <p:sldId id="284" r:id="rId30"/>
+    <p:sldId id="285" r:id="rId31"/>
+    <p:sldId id="286" r:id="rId32"/>
+    <p:sldId id="294" r:id="rId33"/>
+    <p:sldId id="295" r:id="rId34"/>
   </p:sldIdLst>
   <p:sldSz cx="9144000" cy="6858000" type="screen4x3"/>
   <p:notesSz cx="6858000" cy="9144000"/>
@@ -5335,6 +5337,379 @@
       </p:grpSpPr>
       <p:sp>
         <p:nvSpPr>
+          <p:cNvPr id="16386" name="Rectangle 2"/>
+          <p:cNvSpPr>
+            <a:spLocks noGrp="1" noChangeArrowheads="1"/>
+          </p:cNvSpPr>
+          <p:nvPr>
+            <p:ph type="title"/>
+          </p:nvPr>
+        </p:nvSpPr>
+        <p:spPr/>
+        <p:txBody>
+          <a:bodyPr/>
+          <a:lstStyle/>
+          <a:p>
+            <a:pPr eaLnBrk="1" hangingPunct="1"/>
+            <a:r>
+              <a:rPr lang="en-US" altLang="zh-CN" smtClean="0"/>
+              <a:t>3</a:t>
+            </a:r>
+            <a:r>
+              <a:rPr lang="zh-CN" altLang="en-US" smtClean="0"/>
+              <a:t>、系统设计</a:t>
+            </a:r>
+            <a:r>
+              <a:rPr lang="en-US" altLang="zh-CN" smtClean="0">
+                <a:latin typeface="Arial" charset="0"/>
+              </a:rPr>
+              <a:t>——</a:t>
+            </a:r>
+            <a:r>
+              <a:rPr lang="zh-CN" altLang="en-US" smtClean="0">
+                <a:solidFill>
+                  <a:schemeClr val="hlink"/>
+                </a:solidFill>
+              </a:rPr>
+              <a:t>架构师</a:t>
+            </a:r>
+            <a:endParaRPr lang="zh-CN" altLang="en-US" smtClean="0">
+              <a:solidFill>
+                <a:schemeClr val="hlink"/>
+              </a:solidFill>
+            </a:endParaRPr>
+          </a:p>
+        </p:txBody>
+      </p:sp>
+      <p:sp>
+        <p:nvSpPr>
+          <p:cNvPr id="16387" name="Rectangle 3"/>
+          <p:cNvSpPr>
+            <a:spLocks noGrp="1" noChangeArrowheads="1"/>
+          </p:cNvSpPr>
+          <p:nvPr>
+            <p:ph type="body" idx="1"/>
+          </p:nvPr>
+        </p:nvSpPr>
+        <p:spPr/>
+        <p:txBody>
+          <a:bodyPr/>
+          <a:lstStyle/>
+          <a:p>
+            <a:pPr eaLnBrk="1" hangingPunct="1"/>
+            <a:r>
+              <a:rPr lang="zh-CN" altLang="en-US" dirty="0" smtClean="0"/>
+              <a:t>软件体系结构属于系统设计</a:t>
+            </a:r>
+            <a:endParaRPr lang="zh-CN" altLang="en-US" dirty="0" smtClean="0"/>
+          </a:p>
+          <a:p>
+            <a:pPr eaLnBrk="1" hangingPunct="1"/>
+            <a:r>
+              <a:rPr lang="zh-CN" altLang="en-US" dirty="0" smtClean="0"/>
+              <a:t>可分两个阶段：总体设计和详细设计</a:t>
+            </a:r>
+            <a:endParaRPr lang="zh-CN" altLang="en-US" dirty="0" smtClean="0"/>
+          </a:p>
+          <a:p>
+            <a:pPr eaLnBrk="1" hangingPunct="1"/>
+            <a:r>
+              <a:rPr lang="zh-CN" altLang="en-US" dirty="0" smtClean="0"/>
+              <a:t>总体设计：</a:t>
+            </a:r>
+            <a:endParaRPr lang="zh-CN" altLang="en-US" dirty="0" smtClean="0"/>
+          </a:p>
+          <a:p>
+            <a:pPr lvl="1" eaLnBrk="1" hangingPunct="1"/>
+            <a:r>
+              <a:rPr lang="zh-CN" altLang="en-US" dirty="0" smtClean="0"/>
+              <a:t>需求分析的结果</a:t>
+            </a:r>
+            <a:r>
+              <a:rPr lang="en-US" altLang="zh-CN" dirty="0" smtClean="0">
+                <a:latin typeface="Arial" charset="0"/>
+              </a:rPr>
+              <a:t>——</a:t>
+            </a:r>
+            <a:r>
+              <a:rPr lang="zh-CN" altLang="en-US" dirty="0" smtClean="0"/>
+              <a:t>软件体系构架、结构</a:t>
+            </a:r>
+            <a:endParaRPr lang="zh-CN" altLang="en-US" dirty="0" smtClean="0"/>
+          </a:p>
+          <a:p>
+            <a:pPr lvl="1" eaLnBrk="1" hangingPunct="1"/>
+            <a:r>
+              <a:rPr lang="zh-CN" altLang="en-US" dirty="0" smtClean="0"/>
+              <a:t>复杂系统模块进行功能划分、建立层次结构</a:t>
+            </a:r>
+            <a:endParaRPr lang="zh-CN" altLang="en-US" dirty="0" smtClean="0"/>
+          </a:p>
+          <a:p>
+            <a:pPr eaLnBrk="1" hangingPunct="1"/>
+            <a:r>
+              <a:rPr lang="zh-CN" altLang="en-US" dirty="0" smtClean="0"/>
+              <a:t>详细设计：</a:t>
+            </a:r>
+            <a:endParaRPr lang="zh-CN" altLang="en-US" dirty="0" smtClean="0"/>
+          </a:p>
+          <a:p>
+            <a:pPr lvl="1" eaLnBrk="1" hangingPunct="1"/>
+            <a:r>
+              <a:rPr lang="zh-CN" altLang="en-US" dirty="0" smtClean="0"/>
+              <a:t>各个模块的功能设计</a:t>
+            </a:r>
+            <a:endParaRPr lang="zh-CN" altLang="en-US" dirty="0" smtClean="0"/>
+          </a:p>
+        </p:txBody>
+      </p:sp>
+      <p:sp>
+        <p:nvSpPr>
+          <p:cNvPr id="2" name="Slide Number Placeholder 1"/>
+          <p:cNvSpPr>
+            <a:spLocks noGrp="1"/>
+          </p:cNvSpPr>
+          <p:nvPr>
+            <p:ph type="sldNum" sz="quarter" idx="11"/>
+          </p:nvPr>
+        </p:nvSpPr>
+        <p:spPr/>
+        <p:txBody>
+          <a:bodyPr/>
+          <a:p>
+            <a:pPr>
+              <a:defRPr/>
+            </a:pPr>
+            <a:fld id="{796397BA-8A15-4EA2-81EE-FBE380B2F1EA}" type="slidenum">
+              <a:rPr lang="en-US" altLang="zh-CN"/>
+            </a:fld>
+            <a:endParaRPr lang="en-US" altLang="zh-CN" dirty="0"/>
+          </a:p>
+        </p:txBody>
+      </p:sp>
+    </p:spTree>
+  </p:cSld>
+  <p:clrMapOvr>
+    <a:masterClrMapping/>
+  </p:clrMapOvr>
+  <p:timing>
+    <p:tnLst>
+      <p:par>
+        <p:cTn id="1" dur="indefinite" restart="never" nodeType="tmRoot"/>
+      </p:par>
+    </p:tnLst>
+  </p:timing>
+</p:sld>
+</file>
+
+<file path=ppt/slides/slide11.xml><?xml version="1.0" encoding="utf-8"?>
+<p:sld xmlns:a="http://schemas.openxmlformats.org/drawingml/2006/main" xmlns:r="http://schemas.openxmlformats.org/officeDocument/2006/relationships" xmlns:p="http://schemas.openxmlformats.org/presentationml/2006/main">
+  <p:cSld>
+    <p:spTree>
+      <p:nvGrpSpPr>
+        <p:cNvPr id="1" name=""/>
+        <p:cNvGrpSpPr/>
+        <p:nvPr/>
+      </p:nvGrpSpPr>
+      <p:grpSpPr>
+        <a:xfrm>
+          <a:off x="0" y="0"/>
+          <a:ext cx="0" cy="0"/>
+          <a:chOff x="0" y="0"/>
+          <a:chExt cx="0" cy="0"/>
+        </a:xfrm>
+      </p:grpSpPr>
+      <p:sp>
+        <p:nvSpPr>
+          <p:cNvPr id="17410" name="Rectangle 2"/>
+          <p:cNvSpPr>
+            <a:spLocks noGrp="1" noChangeArrowheads="1"/>
+          </p:cNvSpPr>
+          <p:nvPr>
+            <p:ph type="title"/>
+          </p:nvPr>
+        </p:nvSpPr>
+        <p:spPr/>
+        <p:txBody>
+          <a:bodyPr/>
+          <a:lstStyle/>
+          <a:p>
+            <a:pPr eaLnBrk="1" hangingPunct="1"/>
+            <a:r>
+              <a:rPr lang="en-US" altLang="zh-CN" smtClean="0"/>
+              <a:t>3</a:t>
+            </a:r>
+            <a:r>
+              <a:rPr lang="zh-CN" altLang="en-US" smtClean="0"/>
+              <a:t>、系统设计</a:t>
+            </a:r>
+            <a:r>
+              <a:rPr lang="en-US" altLang="zh-CN" smtClean="0">
+                <a:latin typeface="Arial" charset="0"/>
+              </a:rPr>
+              <a:t>——</a:t>
+            </a:r>
+            <a:r>
+              <a:rPr lang="zh-CN" altLang="en-US" smtClean="0"/>
+              <a:t>流程</a:t>
+            </a:r>
+            <a:endParaRPr lang="zh-CN" altLang="en-US" smtClean="0"/>
+          </a:p>
+        </p:txBody>
+      </p:sp>
+      <p:graphicFrame>
+        <p:nvGraphicFramePr>
+          <p:cNvPr id="17411" name="Object 4"/>
+          <p:cNvGraphicFramePr>
+            <a:graphicFrameLocks noGrp="1" noChangeAspect="1"/>
+          </p:cNvGraphicFramePr>
+          <p:nvPr>
+            <p:ph idx="1"/>
+          </p:nvPr>
+        </p:nvGraphicFramePr>
+        <p:xfrm>
+          <a:off x="1219200" y="1295400"/>
+          <a:ext cx="5943600" cy="4619625"/>
+        </p:xfrm>
+        <a:graphic>
+          <a:graphicData uri="http://schemas.openxmlformats.org/presentationml/2006/ole">
+            <mc:AlternateContent xmlns:mc="http://schemas.openxmlformats.org/markup-compatibility/2006">
+              <mc:Choice xmlns:v="urn:schemas-microsoft-com:vml" Requires="v">
+                <p:oleObj spid="_x0000_s17434" name="Visio" r:id="rId1" imgW="0" imgH="0" progId="Visio.Drawing.11">
+                  <p:embed/>
+                </p:oleObj>
+              </mc:Choice>
+              <mc:Fallback>
+                <p:oleObj name="Visio" r:id="rId1" imgW="0" imgH="0" progId="Visio.Drawing.11">
+                  <p:embed/>
+                  <p:pic>
+                    <p:nvPicPr>
+                      <p:cNvPr id="0" name="Object 4"/>
+                      <p:cNvPicPr>
+                        <a:picLocks noGrp="1" noChangeAspect="1" noChangeArrowheads="1"/>
+                      </p:cNvPicPr>
+                      <p:nvPr/>
+                    </p:nvPicPr>
+                    <p:blipFill>
+                      <a:blip r:embed="rId2">
+                        <a:extLst>
+                          <a:ext uri="{28A0092B-C50C-407E-A947-70E740481C1C}">
+                            <a14:useLocalDpi xmlns:a14="http://schemas.microsoft.com/office/drawing/2010/main" val="0"/>
+                          </a:ext>
+                        </a:extLst>
+                      </a:blip>
+                      <a:srcRect/>
+                      <a:stretch>
+                        <a:fillRect/>
+                      </a:stretch>
+                    </p:blipFill>
+                    <p:spPr bwMode="auto">
+                      <a:xfrm>
+                        <a:off x="1219200" y="1295400"/>
+                        <a:ext cx="5943600" cy="4619625"/>
+                      </a:xfrm>
+                      <a:prstGeom prst="rect">
+                        <a:avLst/>
+                      </a:prstGeom>
+                      <a:noFill/>
+                      <a:ln>
+                        <a:noFill/>
+                      </a:ln>
+                      <a:effectLst/>
+                      <a:extLst>
+                        <a:ext uri="{909E8E84-426E-40DD-AFC4-6F175D3DCCD1}">
+                          <a14:hiddenFill xmlns:a14="http://schemas.microsoft.com/office/drawing/2010/main">
+                            <a:solidFill>
+                              <a:schemeClr val="accent1"/>
+                            </a:solidFill>
+                          </a14:hiddenFill>
+                        </a:ext>
+                        <a:ext uri="{91240B29-F687-4F45-9708-019B960494DF}">
+                          <a14:hiddenLine xmlns:a14="http://schemas.microsoft.com/office/drawing/2010/main" w="9525">
+                            <a:solidFill>
+                              <a:schemeClr val="tx1"/>
+                            </a:solidFill>
+                            <a:miter lim="800000"/>
+                            <a:headEnd/>
+                            <a:tailEnd/>
+                          </a14:hiddenLine>
+                        </a:ext>
+                        <a:ext uri="{AF507438-7753-43E0-B8FC-AC1667EBCBE1}">
+                          <a14:hiddenEffects xmlns:a14="http://schemas.microsoft.com/office/drawing/2010/main">
+                            <a:effectLst>
+                              <a:outerShdw dist="35921" dir="2700000" algn="ctr" rotWithShape="0">
+                                <a:schemeClr val="bg2"/>
+                              </a:outerShdw>
+                            </a:effectLst>
+                          </a14:hiddenEffects>
+                        </a:ext>
+                      </a:extLst>
+                    </p:spPr>
+                  </p:pic>
+                </p:oleObj>
+              </mc:Fallback>
+            </mc:AlternateContent>
+          </a:graphicData>
+        </a:graphic>
+      </p:graphicFrame>
+      <p:sp>
+        <p:nvSpPr>
+          <p:cNvPr id="2" name="Slide Number Placeholder 1"/>
+          <p:cNvSpPr>
+            <a:spLocks noGrp="1"/>
+          </p:cNvSpPr>
+          <p:nvPr>
+            <p:ph type="sldNum" sz="quarter" idx="11"/>
+          </p:nvPr>
+        </p:nvSpPr>
+        <p:spPr/>
+        <p:txBody>
+          <a:bodyPr/>
+          <a:p>
+            <a:pPr>
+              <a:defRPr/>
+            </a:pPr>
+            <a:fld id="{796397BA-8A15-4EA2-81EE-FBE380B2F1EA}" type="slidenum">
+              <a:rPr lang="en-US" altLang="zh-CN"/>
+            </a:fld>
+            <a:endParaRPr lang="en-US" altLang="zh-CN" dirty="0"/>
+          </a:p>
+        </p:txBody>
+      </p:sp>
+    </p:spTree>
+  </p:cSld>
+  <p:clrMapOvr>
+    <a:masterClrMapping/>
+  </p:clrMapOvr>
+  <p:timing>
+    <p:tnLst>
+      <p:par>
+        <p:cTn id="1" dur="indefinite" restart="never" nodeType="tmRoot"/>
+      </p:par>
+    </p:tnLst>
+  </p:timing>
+</p:sld>
+</file>
+
+<file path=ppt/slides/slide12.xml><?xml version="1.0" encoding="utf-8"?>
+<p:sld xmlns:a="http://schemas.openxmlformats.org/drawingml/2006/main" xmlns:r="http://schemas.openxmlformats.org/officeDocument/2006/relationships" xmlns:p="http://schemas.openxmlformats.org/presentationml/2006/main">
+  <p:cSld>
+    <p:spTree>
+      <p:nvGrpSpPr>
+        <p:cNvPr id="1" name=""/>
+        <p:cNvGrpSpPr/>
+        <p:nvPr/>
+      </p:nvGrpSpPr>
+      <p:grpSpPr>
+        <a:xfrm>
+          <a:off x="0" y="0"/>
+          <a:ext cx="0" cy="0"/>
+          <a:chOff x="0" y="0"/>
+          <a:chExt cx="0" cy="0"/>
+        </a:xfrm>
+      </p:grpSpPr>
+      <p:sp>
+        <p:nvSpPr>
           <p:cNvPr id="18434" name="Rectangle 2"/>
           <p:cNvSpPr>
             <a:spLocks noGrp="1" noChangeArrowheads="1"/>
@@ -5505,7 +5880,7 @@
 </p:sld>
 </file>
 
-<file path=ppt/slides/slide11.xml><?xml version="1.0" encoding="utf-8"?>
+<file path=ppt/slides/slide13.xml><?xml version="1.0" encoding="utf-8"?>
 <p:sld xmlns:a="http://schemas.openxmlformats.org/drawingml/2006/main" xmlns:r="http://schemas.openxmlformats.org/officeDocument/2006/relationships" xmlns:p="http://schemas.openxmlformats.org/presentationml/2006/main">
   <p:cSld>
     <p:spTree>
@@ -5675,7 +6050,7 @@
 </p:sld>
 </file>
 
-<file path=ppt/slides/slide12.xml><?xml version="1.0" encoding="utf-8"?>
+<file path=ppt/slides/slide14.xml><?xml version="1.0" encoding="utf-8"?>
 <p:sld xmlns:a="http://schemas.openxmlformats.org/drawingml/2006/main" xmlns:r="http://schemas.openxmlformats.org/officeDocument/2006/relationships" xmlns:p="http://schemas.openxmlformats.org/presentationml/2006/main">
   <p:cSld>
     <p:spTree>
@@ -5841,7 +6216,7 @@
 </p:sld>
 </file>
 
-<file path=ppt/slides/slide13.xml><?xml version="1.0" encoding="utf-8"?>
+<file path=ppt/slides/slide15.xml><?xml version="1.0" encoding="utf-8"?>
 <p:sld xmlns:a="http://schemas.openxmlformats.org/drawingml/2006/main" xmlns:r="http://schemas.openxmlformats.org/officeDocument/2006/relationships" xmlns:p="http://schemas.openxmlformats.org/presentationml/2006/main">
   <p:cSld>
     <p:spTree>
@@ -6122,7 +6497,7 @@
 </p:sld>
 </file>
 
-<file path=ppt/slides/slide14.xml><?xml version="1.0" encoding="utf-8"?>
+<file path=ppt/slides/slide16.xml><?xml version="1.0" encoding="utf-8"?>
 <p:sld xmlns:a="http://schemas.openxmlformats.org/drawingml/2006/main" xmlns:r="http://schemas.openxmlformats.org/officeDocument/2006/relationships" xmlns:p="http://schemas.openxmlformats.org/presentationml/2006/main">
   <p:cSld>
     <p:spTree>
@@ -6371,7 +6746,7 @@
 </p:sld>
 </file>
 
-<file path=ppt/slides/slide15.xml><?xml version="1.0" encoding="utf-8"?>
+<file path=ppt/slides/slide17.xml><?xml version="1.0" encoding="utf-8"?>
 <p:sld xmlns:a="http://schemas.openxmlformats.org/drawingml/2006/main" xmlns:r="http://schemas.openxmlformats.org/officeDocument/2006/relationships" xmlns:p="http://schemas.openxmlformats.org/presentationml/2006/main">
   <p:cSld>
     <p:spTree>
@@ -6657,7 +7032,7 @@
 </p:sld>
 </file>
 
-<file path=ppt/slides/slide16.xml><?xml version="1.0" encoding="utf-8"?>
+<file path=ppt/slides/slide18.xml><?xml version="1.0" encoding="utf-8"?>
 <p:sld xmlns:a="http://schemas.openxmlformats.org/drawingml/2006/main" xmlns:r="http://schemas.openxmlformats.org/officeDocument/2006/relationships" xmlns:p="http://schemas.openxmlformats.org/presentationml/2006/main">
   <p:cSld>
     <p:spTree>
@@ -6835,7 +7210,7 @@
 </p:sld>
 </file>
 
-<file path=ppt/slides/slide17.xml><?xml version="1.0" encoding="utf-8"?>
+<file path=ppt/slides/slide19.xml><?xml version="1.0" encoding="utf-8"?>
 <p:sld xmlns:a="http://schemas.openxmlformats.org/drawingml/2006/main" xmlns:r="http://schemas.openxmlformats.org/officeDocument/2006/relationships" xmlns:p="http://schemas.openxmlformats.org/presentationml/2006/main">
   <p:cSld>
     <p:spTree>
@@ -7132,395 +7507,6 @@
 </p:sld>
 </file>
 
-<file path=ppt/slides/slide18.xml><?xml version="1.0" encoding="utf-8"?>
-<p:sld xmlns:a="http://schemas.openxmlformats.org/drawingml/2006/main" xmlns:r="http://schemas.openxmlformats.org/officeDocument/2006/relationships" xmlns:p="http://schemas.openxmlformats.org/presentationml/2006/main">
-  <p:cSld>
-    <p:spTree>
-      <p:nvGrpSpPr>
-        <p:cNvPr id="1" name=""/>
-        <p:cNvGrpSpPr/>
-        <p:nvPr/>
-      </p:nvGrpSpPr>
-      <p:grpSpPr>
-        <a:xfrm>
-          <a:off x="0" y="0"/>
-          <a:ext cx="0" cy="0"/>
-          <a:chOff x="0" y="0"/>
-          <a:chExt cx="0" cy="0"/>
-        </a:xfrm>
-      </p:grpSpPr>
-      <p:sp>
-        <p:nvSpPr>
-          <p:cNvPr id="29698" name="Rectangle 2"/>
-          <p:cNvSpPr>
-            <a:spLocks noGrp="1" noChangeArrowheads="1"/>
-          </p:cNvSpPr>
-          <p:nvPr>
-            <p:ph type="title"/>
-          </p:nvPr>
-        </p:nvSpPr>
-        <p:spPr/>
-        <p:txBody>
-          <a:bodyPr/>
-          <a:lstStyle/>
-          <a:p>
-            <a:pPr eaLnBrk="1" hangingPunct="1"/>
-            <a:r>
-              <a:rPr lang="en-US" altLang="zh-CN" smtClean="0"/>
-              <a:t>6</a:t>
-            </a:r>
-            <a:r>
-              <a:rPr lang="zh-CN" altLang="en-US" smtClean="0"/>
-              <a:t>、编码</a:t>
-            </a:r>
-            <a:r>
-              <a:rPr lang="en-US" altLang="zh-CN" smtClean="0">
-                <a:latin typeface="Arial" charset="0"/>
-              </a:rPr>
-              <a:t>——</a:t>
-            </a:r>
-            <a:r>
-              <a:rPr lang="zh-CN" altLang="en-US" smtClean="0"/>
-              <a:t>编码规范 </a:t>
-            </a:r>
-            <a:endParaRPr lang="zh-CN" altLang="en-US" smtClean="0"/>
-          </a:p>
-        </p:txBody>
-      </p:sp>
-      <p:sp>
-        <p:nvSpPr>
-          <p:cNvPr id="29699" name="Rectangle 3"/>
-          <p:cNvSpPr>
-            <a:spLocks noGrp="1" noChangeArrowheads="1"/>
-          </p:cNvSpPr>
-          <p:nvPr>
-            <p:ph type="body" idx="1"/>
-          </p:nvPr>
-        </p:nvSpPr>
-        <p:spPr/>
-        <p:txBody>
-          <a:bodyPr/>
-          <a:lstStyle/>
-          <a:p>
-            <a:pPr eaLnBrk="1" hangingPunct="1"/>
-            <a:r>
-              <a:rPr lang="zh-CN" altLang="en-US" smtClean="0"/>
-              <a:t>目标：</a:t>
-            </a:r>
-            <a:endParaRPr lang="zh-CN" altLang="en-US" smtClean="0"/>
-          </a:p>
-          <a:p>
-            <a:pPr lvl="1" eaLnBrk="1" hangingPunct="1"/>
-            <a:r>
-              <a:rPr lang="zh-CN" altLang="en-US" smtClean="0"/>
-              <a:t>易读、风格统一、安全，可维护移植</a:t>
-            </a:r>
-            <a:endParaRPr lang="zh-CN" altLang="en-US" smtClean="0"/>
-          </a:p>
-          <a:p>
-            <a:pPr eaLnBrk="1" hangingPunct="1"/>
-            <a:r>
-              <a:rPr lang="zh-CN" altLang="en-US" smtClean="0"/>
-              <a:t>内容：</a:t>
-            </a:r>
-            <a:endParaRPr lang="zh-CN" altLang="en-US" smtClean="0"/>
-          </a:p>
-          <a:p>
-            <a:pPr lvl="1" eaLnBrk="1" hangingPunct="1"/>
-            <a:r>
-              <a:rPr lang="zh-CN" altLang="en-US" smtClean="0"/>
-              <a:t>命名</a:t>
-            </a:r>
-            <a:endParaRPr lang="zh-CN" altLang="en-US" smtClean="0"/>
-          </a:p>
-          <a:p>
-            <a:pPr lvl="1" eaLnBrk="1" hangingPunct="1"/>
-            <a:r>
-              <a:rPr lang="zh-CN" altLang="en-US" smtClean="0"/>
-              <a:t>代码书写格式</a:t>
-            </a:r>
-            <a:endParaRPr lang="zh-CN" altLang="en-US" smtClean="0"/>
-          </a:p>
-          <a:p>
-            <a:pPr lvl="1" eaLnBrk="1" hangingPunct="1"/>
-            <a:r>
-              <a:rPr lang="zh-CN" altLang="en-US" smtClean="0"/>
-              <a:t>其他如函数、变量等的设置要求</a:t>
-            </a:r>
-            <a:endParaRPr lang="zh-CN" altLang="en-US" smtClean="0"/>
-          </a:p>
-        </p:txBody>
-      </p:sp>
-      <p:sp>
-        <p:nvSpPr>
-          <p:cNvPr id="2" name="Slide Number Placeholder 1"/>
-          <p:cNvSpPr>
-            <a:spLocks noGrp="1"/>
-          </p:cNvSpPr>
-          <p:nvPr>
-            <p:ph type="sldNum" sz="quarter" idx="11"/>
-          </p:nvPr>
-        </p:nvSpPr>
-        <p:spPr/>
-        <p:txBody>
-          <a:bodyPr/>
-          <a:p>
-            <a:pPr>
-              <a:defRPr/>
-            </a:pPr>
-            <a:fld id="{796397BA-8A15-4EA2-81EE-FBE380B2F1EA}" type="slidenum">
-              <a:rPr lang="en-US" altLang="zh-CN"/>
-            </a:fld>
-            <a:endParaRPr lang="en-US" altLang="zh-CN" dirty="0"/>
-          </a:p>
-        </p:txBody>
-      </p:sp>
-    </p:spTree>
-  </p:cSld>
-  <p:clrMapOvr>
-    <a:masterClrMapping/>
-  </p:clrMapOvr>
-  <p:timing>
-    <p:tnLst>
-      <p:par>
-        <p:cTn id="1" dur="indefinite" restart="never" nodeType="tmRoot"/>
-      </p:par>
-    </p:tnLst>
-  </p:timing>
-</p:sld>
-</file>
-
-<file path=ppt/slides/slide19.xml><?xml version="1.0" encoding="utf-8"?>
-<p:sld xmlns:a="http://schemas.openxmlformats.org/drawingml/2006/main" xmlns:r="http://schemas.openxmlformats.org/officeDocument/2006/relationships" xmlns:p="http://schemas.openxmlformats.org/presentationml/2006/main">
-  <p:cSld>
-    <p:spTree>
-      <p:nvGrpSpPr>
-        <p:cNvPr id="1" name=""/>
-        <p:cNvGrpSpPr/>
-        <p:nvPr/>
-      </p:nvGrpSpPr>
-      <p:grpSpPr>
-        <a:xfrm>
-          <a:off x="0" y="0"/>
-          <a:ext cx="0" cy="0"/>
-          <a:chOff x="0" y="0"/>
-          <a:chExt cx="0" cy="0"/>
-        </a:xfrm>
-      </p:grpSpPr>
-      <p:sp>
-        <p:nvSpPr>
-          <p:cNvPr id="30722" name="Rectangle 2"/>
-          <p:cNvSpPr>
-            <a:spLocks noGrp="1" noChangeArrowheads="1"/>
-          </p:cNvSpPr>
-          <p:nvPr>
-            <p:ph type="title"/>
-          </p:nvPr>
-        </p:nvSpPr>
-        <p:spPr/>
-        <p:txBody>
-          <a:bodyPr/>
-          <a:lstStyle/>
-          <a:p>
-            <a:pPr eaLnBrk="1" hangingPunct="1"/>
-            <a:r>
-              <a:rPr lang="en-US" altLang="zh-CN" smtClean="0"/>
-              <a:t>6</a:t>
-            </a:r>
-            <a:r>
-              <a:rPr lang="zh-CN" altLang="en-US" smtClean="0"/>
-              <a:t>、编码</a:t>
-            </a:r>
-            <a:r>
-              <a:rPr lang="en-US" altLang="zh-CN" smtClean="0">
-                <a:latin typeface="Arial" charset="0"/>
-              </a:rPr>
-              <a:t>——</a:t>
-            </a:r>
-            <a:r>
-              <a:rPr lang="zh-CN" altLang="en-US" smtClean="0"/>
-              <a:t>开发方法</a:t>
-            </a:r>
-            <a:endParaRPr lang="zh-CN" altLang="en-US" smtClean="0"/>
-          </a:p>
-        </p:txBody>
-      </p:sp>
-      <p:sp>
-        <p:nvSpPr>
-          <p:cNvPr id="30723" name="Rectangle 3"/>
-          <p:cNvSpPr>
-            <a:spLocks noGrp="1" noChangeArrowheads="1"/>
-          </p:cNvSpPr>
-          <p:nvPr>
-            <p:ph type="body" idx="1"/>
-          </p:nvPr>
-        </p:nvSpPr>
-        <p:spPr>
-          <a:xfrm>
-            <a:off x="228600" y="1295400"/>
-            <a:ext cx="8726488" cy="5257800"/>
-          </a:xfrm>
-        </p:spPr>
-        <p:txBody>
-          <a:bodyPr/>
-          <a:lstStyle/>
-          <a:p>
-            <a:pPr eaLnBrk="1" hangingPunct="1">
-              <a:lnSpc>
-                <a:spcPct val="90000"/>
-              </a:lnSpc>
-            </a:pPr>
-            <a:r>
-              <a:rPr lang="zh-CN" altLang="en-US" dirty="0" smtClean="0"/>
-              <a:t>一种软件开发方法：极限编程</a:t>
-            </a:r>
-            <a:r>
-              <a:rPr lang="en-US" altLang="zh-CN" dirty="0" smtClean="0"/>
-              <a:t>XP (</a:t>
-            </a:r>
-            <a:r>
-              <a:rPr lang="en-US" altLang="zh-CN" dirty="0" err="1" smtClean="0"/>
-              <a:t>eXtreme</a:t>
-            </a:r>
-            <a:r>
-              <a:rPr lang="en-US" altLang="zh-CN" dirty="0" smtClean="0"/>
-              <a:t> Programming)</a:t>
-            </a:r>
-            <a:endParaRPr lang="en-US" altLang="zh-CN" dirty="0" smtClean="0"/>
-          </a:p>
-          <a:p>
-            <a:pPr lvl="1" eaLnBrk="1" hangingPunct="1">
-              <a:lnSpc>
-                <a:spcPct val="90000"/>
-              </a:lnSpc>
-            </a:pPr>
-            <a:r>
-              <a:rPr lang="en-US" altLang="zh-CN" dirty="0" smtClean="0"/>
-              <a:t>Kent Beck</a:t>
-            </a:r>
-            <a:r>
-              <a:rPr lang="zh-CN" altLang="en-US" dirty="0" smtClean="0"/>
-              <a:t>：</a:t>
-            </a:r>
-            <a:r>
-              <a:rPr lang="en-US" altLang="zh-CN" dirty="0" smtClean="0"/>
-              <a:t>1996</a:t>
-            </a:r>
-            <a:endParaRPr lang="en-US" altLang="zh-CN" dirty="0" smtClean="0"/>
-          </a:p>
-          <a:p>
-            <a:pPr lvl="1" eaLnBrk="1" hangingPunct="1">
-              <a:lnSpc>
-                <a:spcPct val="90000"/>
-              </a:lnSpc>
-            </a:pPr>
-            <a:r>
-              <a:rPr lang="zh-CN" altLang="en-US" dirty="0" smtClean="0"/>
-              <a:t>理念：交流、朴素、反馈、勇气、尊重</a:t>
-            </a:r>
-            <a:endParaRPr lang="zh-CN" altLang="en-US" dirty="0" smtClean="0"/>
-          </a:p>
-          <a:p>
-            <a:pPr lvl="1" eaLnBrk="1" hangingPunct="1">
-              <a:lnSpc>
-                <a:spcPct val="90000"/>
-              </a:lnSpc>
-            </a:pPr>
-            <a:r>
-              <a:rPr lang="zh-CN" altLang="en-US" dirty="0" smtClean="0"/>
-              <a:t>将复杂的开发过程分解为 许多相对简单的小周期。积极交流反馈，让涉众清楚开发进度、问题、困难，并及时调整。相互尊重！</a:t>
-            </a:r>
-            <a:endParaRPr lang="zh-CN" altLang="en-US" dirty="0" smtClean="0"/>
-          </a:p>
-          <a:p>
-            <a:pPr lvl="1" eaLnBrk="1" hangingPunct="1">
-              <a:lnSpc>
-                <a:spcPct val="90000"/>
-              </a:lnSpc>
-            </a:pPr>
-            <a:r>
-              <a:rPr lang="zh-CN" altLang="en-US" dirty="0" smtClean="0"/>
-              <a:t>极限：把所有强调的思想、方法做到最好，其他忽略；</a:t>
-            </a:r>
-            <a:endParaRPr lang="zh-CN" altLang="en-US" dirty="0" smtClean="0"/>
-          </a:p>
-          <a:p>
-            <a:pPr eaLnBrk="1" hangingPunct="1">
-              <a:lnSpc>
-                <a:spcPct val="90000"/>
-              </a:lnSpc>
-            </a:pPr>
-            <a:r>
-              <a:rPr lang="en-US" altLang="zh-CN" dirty="0" smtClean="0"/>
-              <a:t>RUP</a:t>
-            </a:r>
-            <a:endParaRPr lang="en-US" altLang="zh-CN" dirty="0" smtClean="0"/>
-          </a:p>
-          <a:p>
-            <a:pPr eaLnBrk="1" hangingPunct="1">
-              <a:lnSpc>
-                <a:spcPct val="90000"/>
-              </a:lnSpc>
-            </a:pPr>
-            <a:r>
-              <a:rPr lang="en-US" altLang="zh-CN" dirty="0" smtClean="0"/>
-              <a:t>Agile</a:t>
-            </a:r>
-            <a:endParaRPr lang="en-US" altLang="zh-CN" dirty="0" smtClean="0"/>
-          </a:p>
-          <a:p>
-            <a:pPr eaLnBrk="1" hangingPunct="1">
-              <a:lnSpc>
-                <a:spcPct val="90000"/>
-              </a:lnSpc>
-            </a:pPr>
-            <a:r>
-              <a:rPr lang="en-US" altLang="zh-CN" dirty="0" smtClean="0"/>
-              <a:t>Scrum</a:t>
-            </a:r>
-            <a:endParaRPr lang="en-US" altLang="zh-CN" dirty="0" smtClean="0"/>
-          </a:p>
-        </p:txBody>
-      </p:sp>
-      <p:sp>
-        <p:nvSpPr>
-          <p:cNvPr id="2" name="Slide Number Placeholder 1"/>
-          <p:cNvSpPr>
-            <a:spLocks noGrp="1"/>
-          </p:cNvSpPr>
-          <p:nvPr>
-            <p:ph type="sldNum" sz="quarter" idx="11"/>
-          </p:nvPr>
-        </p:nvSpPr>
-        <p:spPr/>
-        <p:txBody>
-          <a:bodyPr/>
-          <a:p>
-            <a:pPr>
-              <a:defRPr/>
-            </a:pPr>
-            <a:fld id="{796397BA-8A15-4EA2-81EE-FBE380B2F1EA}" type="slidenum">
-              <a:rPr lang="en-US" altLang="zh-CN"/>
-            </a:fld>
-            <a:endParaRPr lang="en-US" altLang="zh-CN" dirty="0"/>
-          </a:p>
-        </p:txBody>
-      </p:sp>
-    </p:spTree>
-  </p:cSld>
-  <p:clrMapOvr>
-    <a:masterClrMapping/>
-  </p:clrMapOvr>
-  <p:timing>
-    <p:tnLst>
-      <p:par>
-        <p:cTn id="1" dur="indefinite" restart="never" nodeType="tmRoot"/>
-      </p:par>
-    </p:tnLst>
-  </p:timing>
-</p:sld>
-</file>
-
 <file path=ppt/slides/slide2.xml><?xml version="1.0" encoding="utf-8"?>
 <p:sld xmlns:a="http://schemas.openxmlformats.org/drawingml/2006/main" xmlns:r="http://schemas.openxmlformats.org/officeDocument/2006/relationships" xmlns:p="http://schemas.openxmlformats.org/presentationml/2006/main">
   <p:cSld>
@@ -7687,7 +7673,7 @@
       </p:grpSpPr>
       <p:sp>
         <p:nvSpPr>
-          <p:cNvPr id="31746" name="Rectangle 2"/>
+          <p:cNvPr id="29698" name="Rectangle 2"/>
           <p:cNvSpPr>
             <a:spLocks noGrp="1" noChangeArrowheads="1"/>
           </p:cNvSpPr>
@@ -7717,7 +7703,7 @@
             </a:r>
             <a:r>
               <a:rPr lang="zh-CN" altLang="en-US" smtClean="0"/>
-              <a:t>源代码控制</a:t>
+              <a:t>编码规范 </a:t>
             </a:r>
             <a:endParaRPr lang="zh-CN" altLang="en-US" smtClean="0"/>
           </a:p>
@@ -7725,7 +7711,7 @@
       </p:sp>
       <p:sp>
         <p:nvSpPr>
-          <p:cNvPr id="31747" name="Rectangle 3"/>
+          <p:cNvPr id="29699" name="Rectangle 3"/>
           <p:cNvSpPr>
             <a:spLocks noGrp="1" noChangeArrowheads="1"/>
           </p:cNvSpPr>
@@ -7738,80 +7724,52 @@
           <a:bodyPr/>
           <a:lstStyle/>
           <a:p>
-            <a:pPr eaLnBrk="1" hangingPunct="1">
-              <a:lnSpc>
-                <a:spcPct val="90000"/>
-              </a:lnSpc>
-            </a:pPr>
-            <a:r>
-              <a:rPr lang="zh-CN" altLang="en-US" dirty="0" smtClean="0"/>
-              <a:t>版本管理</a:t>
-            </a:r>
-            <a:endParaRPr lang="zh-CN" altLang="en-US" dirty="0" smtClean="0"/>
-          </a:p>
-          <a:p>
-            <a:pPr lvl="1" eaLnBrk="1" hangingPunct="1">
-              <a:lnSpc>
-                <a:spcPct val="90000"/>
-              </a:lnSpc>
-            </a:pPr>
-            <a:r>
-              <a:rPr lang="zh-CN" altLang="en-US" dirty="0" smtClean="0"/>
-              <a:t>人员离开变动？如何记录重要更新？多个版本出现，管理版本的变化？对各个小组的子模块管理？保留修改轨迹，便于撤销错误的改动？</a:t>
-            </a:r>
-            <a:endParaRPr lang="zh-CN" altLang="en-US" dirty="0" smtClean="0"/>
-          </a:p>
-          <a:p>
-            <a:pPr eaLnBrk="1" hangingPunct="1">
-              <a:lnSpc>
-                <a:spcPct val="90000"/>
-              </a:lnSpc>
-            </a:pPr>
-            <a:r>
-              <a:rPr lang="zh-CN" altLang="en-US" dirty="0" smtClean="0"/>
-              <a:t>常用工具：</a:t>
-            </a:r>
-            <a:endParaRPr lang="zh-CN" altLang="en-US" dirty="0" smtClean="0"/>
-          </a:p>
-          <a:p>
-            <a:pPr lvl="1" eaLnBrk="1" hangingPunct="1">
-              <a:lnSpc>
-                <a:spcPct val="90000"/>
-              </a:lnSpc>
-            </a:pPr>
-            <a:r>
-              <a:rPr lang="en-US" altLang="zh-CN" dirty="0" smtClean="0"/>
-              <a:t>VSS, Microsoft Visual </a:t>
-            </a:r>
-            <a:r>
-              <a:rPr lang="en-US" altLang="zh-CN" dirty="0" err="1" smtClean="0"/>
-              <a:t>SouceSafe</a:t>
-            </a:r>
-            <a:endParaRPr lang="en-US" altLang="zh-CN" dirty="0" smtClean="0"/>
-          </a:p>
-          <a:p>
-            <a:pPr lvl="1" eaLnBrk="1" hangingPunct="1">
-              <a:lnSpc>
-                <a:spcPct val="90000"/>
-              </a:lnSpc>
-            </a:pPr>
-            <a:r>
-              <a:rPr lang="en-US" altLang="zh-CN" dirty="0" smtClean="0"/>
-              <a:t>CVS, Concurrent Versions System, </a:t>
-            </a:r>
-            <a:endParaRPr lang="en-US" altLang="zh-CN" dirty="0" smtClean="0"/>
-          </a:p>
-          <a:p>
-            <a:pPr lvl="2" eaLnBrk="1" hangingPunct="1">
-              <a:lnSpc>
-                <a:spcPct val="90000"/>
-              </a:lnSpc>
-            </a:pPr>
-            <a:r>
-              <a:rPr lang="en-US" altLang="zh-CN" dirty="0" smtClean="0"/>
-              <a:t>Open source</a:t>
-            </a:r>
-            <a:endParaRPr lang="en-US" altLang="zh-CN" dirty="0" smtClean="0"/>
+            <a:pPr eaLnBrk="1" hangingPunct="1"/>
+            <a:r>
+              <a:rPr lang="zh-CN" altLang="en-US" smtClean="0"/>
+              <a:t>目标：</a:t>
+            </a:r>
+            <a:endParaRPr lang="zh-CN" altLang="en-US" smtClean="0"/>
+          </a:p>
+          <a:p>
+            <a:pPr lvl="1" eaLnBrk="1" hangingPunct="1"/>
+            <a:r>
+              <a:rPr lang="zh-CN" altLang="en-US" smtClean="0"/>
+              <a:t>易读、风格统一、安全，可维护移植</a:t>
+            </a:r>
+            <a:endParaRPr lang="zh-CN" altLang="en-US" smtClean="0"/>
+          </a:p>
+          <a:p>
+            <a:pPr eaLnBrk="1" hangingPunct="1"/>
+            <a:r>
+              <a:rPr lang="zh-CN" altLang="en-US" smtClean="0"/>
+              <a:t>内容：</a:t>
+            </a:r>
+            <a:endParaRPr lang="zh-CN" altLang="en-US" smtClean="0"/>
+          </a:p>
+          <a:p>
+            <a:pPr lvl="1" eaLnBrk="1" hangingPunct="1"/>
+            <a:r>
+              <a:rPr lang="zh-CN" altLang="en-US" smtClean="0"/>
+              <a:t>命名</a:t>
+            </a:r>
+            <a:endParaRPr lang="zh-CN" altLang="en-US" smtClean="0"/>
+          </a:p>
+          <a:p>
+            <a:pPr lvl="1" eaLnBrk="1" hangingPunct="1"/>
+            <a:r>
+              <a:rPr lang="zh-CN" altLang="en-US" smtClean="0"/>
+              <a:t>代码书写格式</a:t>
+            </a:r>
+            <a:endParaRPr lang="zh-CN" altLang="en-US" smtClean="0"/>
+          </a:p>
+          <a:p>
+            <a:pPr lvl="1" eaLnBrk="1" hangingPunct="1"/>
+            <a:r>
+              <a:rPr lang="zh-CN" altLang="en-US" smtClean="0"/>
+              <a:t>其他如函数、变量等的设置要求</a:t>
+            </a:r>
+            <a:endParaRPr lang="zh-CN" altLang="en-US" smtClean="0"/>
           </a:p>
         </p:txBody>
       </p:sp>
@@ -7855,6 +7813,423 @@
 </file>
 
 <file path=ppt/slides/slide21.xml><?xml version="1.0" encoding="utf-8"?>
+<p:sld xmlns:a="http://schemas.openxmlformats.org/drawingml/2006/main" xmlns:r="http://schemas.openxmlformats.org/officeDocument/2006/relationships" xmlns:p="http://schemas.openxmlformats.org/presentationml/2006/main">
+  <p:cSld>
+    <p:spTree>
+      <p:nvGrpSpPr>
+        <p:cNvPr id="1" name=""/>
+        <p:cNvGrpSpPr/>
+        <p:nvPr/>
+      </p:nvGrpSpPr>
+      <p:grpSpPr>
+        <a:xfrm>
+          <a:off x="0" y="0"/>
+          <a:ext cx="0" cy="0"/>
+          <a:chOff x="0" y="0"/>
+          <a:chExt cx="0" cy="0"/>
+        </a:xfrm>
+      </p:grpSpPr>
+      <p:sp>
+        <p:nvSpPr>
+          <p:cNvPr id="30722" name="Rectangle 2"/>
+          <p:cNvSpPr>
+            <a:spLocks noGrp="1" noChangeArrowheads="1"/>
+          </p:cNvSpPr>
+          <p:nvPr>
+            <p:ph type="title"/>
+          </p:nvPr>
+        </p:nvSpPr>
+        <p:spPr/>
+        <p:txBody>
+          <a:bodyPr/>
+          <a:lstStyle/>
+          <a:p>
+            <a:pPr eaLnBrk="1" hangingPunct="1"/>
+            <a:r>
+              <a:rPr lang="en-US" altLang="zh-CN" smtClean="0"/>
+              <a:t>6</a:t>
+            </a:r>
+            <a:r>
+              <a:rPr lang="zh-CN" altLang="en-US" smtClean="0"/>
+              <a:t>、编码</a:t>
+            </a:r>
+            <a:r>
+              <a:rPr lang="en-US" altLang="zh-CN" smtClean="0">
+                <a:latin typeface="Arial" charset="0"/>
+              </a:rPr>
+              <a:t>——</a:t>
+            </a:r>
+            <a:r>
+              <a:rPr lang="zh-CN" altLang="en-US" smtClean="0"/>
+              <a:t>开发方法</a:t>
+            </a:r>
+            <a:endParaRPr lang="zh-CN" altLang="en-US" smtClean="0"/>
+          </a:p>
+        </p:txBody>
+      </p:sp>
+      <p:sp>
+        <p:nvSpPr>
+          <p:cNvPr id="30723" name="Rectangle 3"/>
+          <p:cNvSpPr>
+            <a:spLocks noGrp="1" noChangeArrowheads="1"/>
+          </p:cNvSpPr>
+          <p:nvPr>
+            <p:ph type="body" idx="1"/>
+          </p:nvPr>
+        </p:nvSpPr>
+        <p:spPr>
+          <a:xfrm>
+            <a:off x="228600" y="1295400"/>
+            <a:ext cx="8726488" cy="5257800"/>
+          </a:xfrm>
+        </p:spPr>
+        <p:txBody>
+          <a:bodyPr/>
+          <a:lstStyle/>
+          <a:p>
+            <a:pPr eaLnBrk="1" hangingPunct="1">
+              <a:lnSpc>
+                <a:spcPct val="90000"/>
+              </a:lnSpc>
+            </a:pPr>
+            <a:r>
+              <a:rPr lang="zh-CN" altLang="en-US" dirty="0" smtClean="0"/>
+              <a:t>一种软件开发方法：极限编程</a:t>
+            </a:r>
+            <a:r>
+              <a:rPr lang="en-US" altLang="zh-CN" dirty="0" smtClean="0"/>
+              <a:t>XP (</a:t>
+            </a:r>
+            <a:r>
+              <a:rPr lang="en-US" altLang="zh-CN" dirty="0" err="1" smtClean="0"/>
+              <a:t>eXtreme</a:t>
+            </a:r>
+            <a:r>
+              <a:rPr lang="en-US" altLang="zh-CN" dirty="0" smtClean="0"/>
+              <a:t> Programming)</a:t>
+            </a:r>
+            <a:endParaRPr lang="en-US" altLang="zh-CN" dirty="0" smtClean="0"/>
+          </a:p>
+          <a:p>
+            <a:pPr lvl="1" eaLnBrk="1" hangingPunct="1">
+              <a:lnSpc>
+                <a:spcPct val="90000"/>
+              </a:lnSpc>
+            </a:pPr>
+            <a:r>
+              <a:rPr lang="en-US" altLang="zh-CN" dirty="0" smtClean="0"/>
+              <a:t>Kent Beck</a:t>
+            </a:r>
+            <a:r>
+              <a:rPr lang="zh-CN" altLang="en-US" dirty="0" smtClean="0"/>
+              <a:t>：</a:t>
+            </a:r>
+            <a:r>
+              <a:rPr lang="en-US" altLang="zh-CN" dirty="0" smtClean="0"/>
+              <a:t>1996</a:t>
+            </a:r>
+            <a:endParaRPr lang="en-US" altLang="zh-CN" dirty="0" smtClean="0"/>
+          </a:p>
+          <a:p>
+            <a:pPr lvl="1" eaLnBrk="1" hangingPunct="1">
+              <a:lnSpc>
+                <a:spcPct val="90000"/>
+              </a:lnSpc>
+            </a:pPr>
+            <a:r>
+              <a:rPr lang="zh-CN" altLang="en-US" dirty="0" smtClean="0"/>
+              <a:t>理念：交流、朴素、反馈、勇气、尊重</a:t>
+            </a:r>
+            <a:endParaRPr lang="zh-CN" altLang="en-US" dirty="0" smtClean="0"/>
+          </a:p>
+          <a:p>
+            <a:pPr lvl="1" eaLnBrk="1" hangingPunct="1">
+              <a:lnSpc>
+                <a:spcPct val="90000"/>
+              </a:lnSpc>
+            </a:pPr>
+            <a:r>
+              <a:rPr lang="zh-CN" altLang="en-US" dirty="0" smtClean="0"/>
+              <a:t>将复杂的开发过程分解为 许多相对简单的小周期。积极交流反馈，让涉众清楚开发进度、问题、困难，并及时调整。相互尊重！</a:t>
+            </a:r>
+            <a:endParaRPr lang="zh-CN" altLang="en-US" dirty="0" smtClean="0"/>
+          </a:p>
+          <a:p>
+            <a:pPr lvl="1" eaLnBrk="1" hangingPunct="1">
+              <a:lnSpc>
+                <a:spcPct val="90000"/>
+              </a:lnSpc>
+            </a:pPr>
+            <a:r>
+              <a:rPr lang="zh-CN" altLang="en-US" dirty="0" smtClean="0"/>
+              <a:t>极限：把所有强调的思想、方法做到最好，其他忽略；</a:t>
+            </a:r>
+            <a:endParaRPr lang="zh-CN" altLang="en-US" dirty="0" smtClean="0"/>
+          </a:p>
+          <a:p>
+            <a:pPr eaLnBrk="1" hangingPunct="1">
+              <a:lnSpc>
+                <a:spcPct val="90000"/>
+              </a:lnSpc>
+            </a:pPr>
+            <a:r>
+              <a:rPr lang="en-US" altLang="zh-CN" dirty="0" smtClean="0"/>
+              <a:t>RUP</a:t>
+            </a:r>
+            <a:endParaRPr lang="en-US" altLang="zh-CN" dirty="0" smtClean="0"/>
+          </a:p>
+          <a:p>
+            <a:pPr eaLnBrk="1" hangingPunct="1">
+              <a:lnSpc>
+                <a:spcPct val="90000"/>
+              </a:lnSpc>
+            </a:pPr>
+            <a:r>
+              <a:rPr lang="en-US" altLang="zh-CN" dirty="0" smtClean="0"/>
+              <a:t>Agile</a:t>
+            </a:r>
+            <a:endParaRPr lang="en-US" altLang="zh-CN" dirty="0" smtClean="0"/>
+          </a:p>
+          <a:p>
+            <a:pPr eaLnBrk="1" hangingPunct="1">
+              <a:lnSpc>
+                <a:spcPct val="90000"/>
+              </a:lnSpc>
+            </a:pPr>
+            <a:r>
+              <a:rPr lang="en-US" altLang="zh-CN" dirty="0" smtClean="0"/>
+              <a:t>Scrum</a:t>
+            </a:r>
+            <a:endParaRPr lang="en-US" altLang="zh-CN" dirty="0" smtClean="0"/>
+          </a:p>
+        </p:txBody>
+      </p:sp>
+      <p:sp>
+        <p:nvSpPr>
+          <p:cNvPr id="2" name="Slide Number Placeholder 1"/>
+          <p:cNvSpPr>
+            <a:spLocks noGrp="1"/>
+          </p:cNvSpPr>
+          <p:nvPr>
+            <p:ph type="sldNum" sz="quarter" idx="11"/>
+          </p:nvPr>
+        </p:nvSpPr>
+        <p:spPr/>
+        <p:txBody>
+          <a:bodyPr/>
+          <a:p>
+            <a:pPr>
+              <a:defRPr/>
+            </a:pPr>
+            <a:fld id="{796397BA-8A15-4EA2-81EE-FBE380B2F1EA}" type="slidenum">
+              <a:rPr lang="en-US" altLang="zh-CN"/>
+            </a:fld>
+            <a:endParaRPr lang="en-US" altLang="zh-CN" dirty="0"/>
+          </a:p>
+        </p:txBody>
+      </p:sp>
+    </p:spTree>
+  </p:cSld>
+  <p:clrMapOvr>
+    <a:masterClrMapping/>
+  </p:clrMapOvr>
+  <p:timing>
+    <p:tnLst>
+      <p:par>
+        <p:cTn id="1" dur="indefinite" restart="never" nodeType="tmRoot"/>
+      </p:par>
+    </p:tnLst>
+  </p:timing>
+</p:sld>
+</file>
+
+<file path=ppt/slides/slide22.xml><?xml version="1.0" encoding="utf-8"?>
+<p:sld xmlns:a="http://schemas.openxmlformats.org/drawingml/2006/main" xmlns:r="http://schemas.openxmlformats.org/officeDocument/2006/relationships" xmlns:p="http://schemas.openxmlformats.org/presentationml/2006/main">
+  <p:cSld>
+    <p:spTree>
+      <p:nvGrpSpPr>
+        <p:cNvPr id="1" name=""/>
+        <p:cNvGrpSpPr/>
+        <p:nvPr/>
+      </p:nvGrpSpPr>
+      <p:grpSpPr>
+        <a:xfrm>
+          <a:off x="0" y="0"/>
+          <a:ext cx="0" cy="0"/>
+          <a:chOff x="0" y="0"/>
+          <a:chExt cx="0" cy="0"/>
+        </a:xfrm>
+      </p:grpSpPr>
+      <p:sp>
+        <p:nvSpPr>
+          <p:cNvPr id="31746" name="Rectangle 2"/>
+          <p:cNvSpPr>
+            <a:spLocks noGrp="1" noChangeArrowheads="1"/>
+          </p:cNvSpPr>
+          <p:nvPr>
+            <p:ph type="title"/>
+          </p:nvPr>
+        </p:nvSpPr>
+        <p:spPr/>
+        <p:txBody>
+          <a:bodyPr/>
+          <a:lstStyle/>
+          <a:p>
+            <a:pPr eaLnBrk="1" hangingPunct="1"/>
+            <a:r>
+              <a:rPr lang="en-US" altLang="zh-CN" smtClean="0"/>
+              <a:t>6</a:t>
+            </a:r>
+            <a:r>
+              <a:rPr lang="zh-CN" altLang="en-US" smtClean="0"/>
+              <a:t>、编码</a:t>
+            </a:r>
+            <a:r>
+              <a:rPr lang="en-US" altLang="zh-CN" smtClean="0">
+                <a:latin typeface="Arial" charset="0"/>
+              </a:rPr>
+              <a:t>——</a:t>
+            </a:r>
+            <a:r>
+              <a:rPr lang="zh-CN" altLang="en-US" smtClean="0"/>
+              <a:t>源代码控制</a:t>
+            </a:r>
+            <a:endParaRPr lang="zh-CN" altLang="en-US" smtClean="0"/>
+          </a:p>
+        </p:txBody>
+      </p:sp>
+      <p:sp>
+        <p:nvSpPr>
+          <p:cNvPr id="31747" name="Rectangle 3"/>
+          <p:cNvSpPr>
+            <a:spLocks noGrp="1" noChangeArrowheads="1"/>
+          </p:cNvSpPr>
+          <p:nvPr>
+            <p:ph type="body" idx="1"/>
+          </p:nvPr>
+        </p:nvSpPr>
+        <p:spPr/>
+        <p:txBody>
+          <a:bodyPr/>
+          <a:lstStyle/>
+          <a:p>
+            <a:pPr eaLnBrk="1" hangingPunct="1">
+              <a:lnSpc>
+                <a:spcPct val="90000"/>
+              </a:lnSpc>
+            </a:pPr>
+            <a:r>
+              <a:rPr lang="zh-CN" altLang="en-US" dirty="0" smtClean="0"/>
+              <a:t>版本管理</a:t>
+            </a:r>
+            <a:endParaRPr lang="zh-CN" altLang="en-US" dirty="0" smtClean="0"/>
+          </a:p>
+          <a:p>
+            <a:pPr lvl="1" eaLnBrk="1" hangingPunct="1">
+              <a:lnSpc>
+                <a:spcPct val="90000"/>
+              </a:lnSpc>
+            </a:pPr>
+            <a:r>
+              <a:rPr lang="zh-CN" altLang="en-US" dirty="0" smtClean="0"/>
+              <a:t>人员离开变动？如何记录重要更新？多个版本出现，管理版本的变化？对各个小组的子模块管理？保留修改轨迹，便于撤销错误的改动？</a:t>
+            </a:r>
+            <a:endParaRPr lang="zh-CN" altLang="en-US" dirty="0" smtClean="0"/>
+          </a:p>
+          <a:p>
+            <a:pPr eaLnBrk="1" hangingPunct="1">
+              <a:lnSpc>
+                <a:spcPct val="90000"/>
+              </a:lnSpc>
+            </a:pPr>
+            <a:r>
+              <a:rPr lang="zh-CN" altLang="en-US" dirty="0" smtClean="0"/>
+              <a:t>常用工具：</a:t>
+            </a:r>
+            <a:endParaRPr lang="zh-CN" altLang="en-US" dirty="0" smtClean="0"/>
+          </a:p>
+          <a:p>
+            <a:pPr lvl="1" eaLnBrk="1" hangingPunct="1">
+              <a:lnSpc>
+                <a:spcPct val="90000"/>
+              </a:lnSpc>
+            </a:pPr>
+            <a:r>
+              <a:rPr lang="en-US" altLang="zh-CN" dirty="0" smtClean="0"/>
+              <a:t>VSS, Microsoft Visual </a:t>
+            </a:r>
+            <a:r>
+              <a:rPr lang="en-US" altLang="zh-CN" dirty="0" err="1" smtClean="0"/>
+              <a:t>SouceSafe</a:t>
+            </a:r>
+            <a:endParaRPr lang="en-US" altLang="zh-CN" dirty="0" smtClean="0"/>
+          </a:p>
+          <a:p>
+            <a:pPr lvl="1" eaLnBrk="1" hangingPunct="1">
+              <a:lnSpc>
+                <a:spcPct val="90000"/>
+              </a:lnSpc>
+            </a:pPr>
+            <a:r>
+              <a:rPr lang="en-US" altLang="zh-CN" dirty="0" smtClean="0"/>
+              <a:t>CVS, Concurrent Versions System, </a:t>
+            </a:r>
+            <a:endParaRPr lang="en-US" altLang="zh-CN" dirty="0" smtClean="0"/>
+          </a:p>
+          <a:p>
+            <a:pPr lvl="2" eaLnBrk="1" hangingPunct="1">
+              <a:lnSpc>
+                <a:spcPct val="90000"/>
+              </a:lnSpc>
+            </a:pPr>
+            <a:r>
+              <a:rPr lang="en-US" altLang="zh-CN" dirty="0" smtClean="0"/>
+              <a:t>Open source</a:t>
+            </a:r>
+            <a:endParaRPr lang="en-US" altLang="zh-CN" dirty="0" smtClean="0"/>
+          </a:p>
+        </p:txBody>
+      </p:sp>
+      <p:sp>
+        <p:nvSpPr>
+          <p:cNvPr id="2" name="Slide Number Placeholder 1"/>
+          <p:cNvSpPr>
+            <a:spLocks noGrp="1"/>
+          </p:cNvSpPr>
+          <p:nvPr>
+            <p:ph type="sldNum" sz="quarter" idx="11"/>
+          </p:nvPr>
+        </p:nvSpPr>
+        <p:spPr/>
+        <p:txBody>
+          <a:bodyPr/>
+          <a:p>
+            <a:pPr>
+              <a:defRPr/>
+            </a:pPr>
+            <a:fld id="{796397BA-8A15-4EA2-81EE-FBE380B2F1EA}" type="slidenum">
+              <a:rPr lang="en-US" altLang="zh-CN"/>
+            </a:fld>
+            <a:endParaRPr lang="en-US" altLang="zh-CN" dirty="0"/>
+          </a:p>
+        </p:txBody>
+      </p:sp>
+    </p:spTree>
+  </p:cSld>
+  <p:clrMapOvr>
+    <a:masterClrMapping/>
+  </p:clrMapOvr>
+  <p:timing>
+    <p:tnLst>
+      <p:par>
+        <p:cTn id="1" dur="indefinite" restart="never" nodeType="tmRoot"/>
+      </p:par>
+    </p:tnLst>
+  </p:timing>
+</p:sld>
+</file>
+
+<file path=ppt/slides/slide23.xml><?xml version="1.0" encoding="utf-8"?>
 <p:sld xmlns:a="http://schemas.openxmlformats.org/drawingml/2006/main" xmlns:r="http://schemas.openxmlformats.org/officeDocument/2006/relationships" xmlns:p="http://schemas.openxmlformats.org/presentationml/2006/main">
   <p:cSld>
     <p:spTree>
@@ -8102,7 +8477,7 @@
 </p:sld>
 </file>
 
-<file path=ppt/slides/slide22.xml><?xml version="1.0" encoding="utf-8"?>
+<file path=ppt/slides/slide24.xml><?xml version="1.0" encoding="utf-8"?>
 <p:sld xmlns:a="http://schemas.openxmlformats.org/drawingml/2006/main" xmlns:r="http://schemas.openxmlformats.org/officeDocument/2006/relationships" xmlns:p="http://schemas.openxmlformats.org/presentationml/2006/main">
   <p:cSld>
     <p:spTree>
@@ -8240,7 +8615,7 @@
 </p:sld>
 </file>
 
-<file path=ppt/slides/slide23.xml><?xml version="1.0" encoding="utf-8"?>
+<file path=ppt/slides/slide25.xml><?xml version="1.0" encoding="utf-8"?>
 <p:sld xmlns:a="http://schemas.openxmlformats.org/drawingml/2006/main" xmlns:r="http://schemas.openxmlformats.org/officeDocument/2006/relationships" xmlns:p="http://schemas.openxmlformats.org/presentationml/2006/main">
   <p:cSld>
     <p:spTree>
@@ -8471,7 +8846,7 @@
 </p:sld>
 </file>
 
-<file path=ppt/slides/slide24.xml><?xml version="1.0" encoding="utf-8"?>
+<file path=ppt/slides/slide26.xml><?xml version="1.0" encoding="utf-8"?>
 <p:sld xmlns:a="http://schemas.openxmlformats.org/drawingml/2006/main" xmlns:r="http://schemas.openxmlformats.org/officeDocument/2006/relationships" xmlns:p="http://schemas.openxmlformats.org/presentationml/2006/main">
   <p:cSld>
     <p:spTree>
@@ -8688,7 +9063,7 @@
 </p:sld>
 </file>
 
-<file path=ppt/slides/slide25.xml><?xml version="1.0" encoding="utf-8"?>
+<file path=ppt/slides/slide27.xml><?xml version="1.0" encoding="utf-8"?>
 <p:sld xmlns:a="http://schemas.openxmlformats.org/drawingml/2006/main" xmlns:r="http://schemas.openxmlformats.org/officeDocument/2006/relationships" xmlns:p="http://schemas.openxmlformats.org/presentationml/2006/main">
   <p:cSld>
     <p:spTree>
@@ -8818,433 +9193,6 @@
               <a:buNone/>
             </a:pPr>
             <a:endParaRPr lang="zh-CN" altLang="en-US" dirty="0" smtClean="0"/>
-          </a:p>
-        </p:txBody>
-      </p:sp>
-      <p:sp>
-        <p:nvSpPr>
-          <p:cNvPr id="2" name="Slide Number Placeholder 1"/>
-          <p:cNvSpPr>
-            <a:spLocks noGrp="1"/>
-          </p:cNvSpPr>
-          <p:nvPr>
-            <p:ph type="sldNum" sz="quarter" idx="11"/>
-          </p:nvPr>
-        </p:nvSpPr>
-        <p:spPr/>
-        <p:txBody>
-          <a:bodyPr/>
-          <a:p>
-            <a:pPr>
-              <a:defRPr/>
-            </a:pPr>
-            <a:fld id="{796397BA-8A15-4EA2-81EE-FBE380B2F1EA}" type="slidenum">
-              <a:rPr lang="en-US" altLang="zh-CN"/>
-            </a:fld>
-            <a:endParaRPr lang="en-US" altLang="zh-CN" dirty="0"/>
-          </a:p>
-        </p:txBody>
-      </p:sp>
-    </p:spTree>
-  </p:cSld>
-  <p:clrMapOvr>
-    <a:masterClrMapping/>
-  </p:clrMapOvr>
-  <p:timing>
-    <p:tnLst>
-      <p:par>
-        <p:cTn id="1" dur="indefinite" restart="never" nodeType="tmRoot"/>
-      </p:par>
-    </p:tnLst>
-  </p:timing>
-</p:sld>
-</file>
-
-<file path=ppt/slides/slide26.xml><?xml version="1.0" encoding="utf-8"?>
-<p:sld xmlns:a="http://schemas.openxmlformats.org/drawingml/2006/main" xmlns:r="http://schemas.openxmlformats.org/officeDocument/2006/relationships" xmlns:p="http://schemas.openxmlformats.org/presentationml/2006/main">
-  <p:cSld>
-    <p:spTree>
-      <p:nvGrpSpPr>
-        <p:cNvPr id="1" name=""/>
-        <p:cNvGrpSpPr/>
-        <p:nvPr/>
-      </p:nvGrpSpPr>
-      <p:grpSpPr>
-        <a:xfrm>
-          <a:off x="0" y="0"/>
-          <a:ext cx="0" cy="0"/>
-          <a:chOff x="0" y="0"/>
-          <a:chExt cx="0" cy="0"/>
-        </a:xfrm>
-      </p:grpSpPr>
-      <p:sp>
-        <p:nvSpPr>
-          <p:cNvPr id="37890" name="Rectangle 2"/>
-          <p:cNvSpPr>
-            <a:spLocks noGrp="1" noChangeArrowheads="1"/>
-          </p:cNvSpPr>
-          <p:nvPr>
-            <p:ph type="title"/>
-          </p:nvPr>
-        </p:nvSpPr>
-        <p:spPr/>
-        <p:txBody>
-          <a:bodyPr/>
-          <a:lstStyle/>
-          <a:p>
-            <a:pPr eaLnBrk="1" hangingPunct="1"/>
-            <a:r>
-              <a:rPr lang="en-US" altLang="zh-CN" smtClean="0"/>
-              <a:t>7</a:t>
-            </a:r>
-            <a:r>
-              <a:rPr lang="zh-CN" altLang="en-US" smtClean="0"/>
-              <a:t>、软件测试</a:t>
-            </a:r>
-            <a:r>
-              <a:rPr lang="en-US" altLang="zh-CN" smtClean="0">
-                <a:latin typeface="Arial" charset="0"/>
-              </a:rPr>
-              <a:t>——</a:t>
-            </a:r>
-            <a:r>
-              <a:rPr lang="zh-CN" altLang="en-US" smtClean="0"/>
-              <a:t>测试工具 </a:t>
-            </a:r>
-            <a:endParaRPr lang="zh-CN" altLang="en-US" smtClean="0"/>
-          </a:p>
-        </p:txBody>
-      </p:sp>
-      <p:sp>
-        <p:nvSpPr>
-          <p:cNvPr id="37891" name="Rectangle 3"/>
-          <p:cNvSpPr>
-            <a:spLocks noGrp="1" noChangeArrowheads="1"/>
-          </p:cNvSpPr>
-          <p:nvPr>
-            <p:ph type="body" idx="1"/>
-          </p:nvPr>
-        </p:nvSpPr>
-        <p:spPr>
-          <a:xfrm>
-            <a:off x="533400" y="1447800"/>
-            <a:ext cx="8193088" cy="5029200"/>
-          </a:xfrm>
-        </p:spPr>
-        <p:txBody>
-          <a:bodyPr/>
-          <a:lstStyle/>
-          <a:p>
-            <a:pPr eaLnBrk="1" hangingPunct="1"/>
-            <a:r>
-              <a:rPr lang="zh-CN" altLang="en-US" dirty="0" smtClean="0"/>
-              <a:t>单元测试：</a:t>
-            </a:r>
-            <a:r>
-              <a:rPr lang="en-US" altLang="zh-CN" dirty="0" err="1" smtClean="0"/>
-              <a:t>xUnit</a:t>
-            </a:r>
-            <a:r>
-              <a:rPr lang="zh-CN" altLang="en-US" dirty="0" smtClean="0"/>
-              <a:t>（</a:t>
-            </a:r>
-            <a:r>
-              <a:rPr lang="en-US" altLang="zh-CN" dirty="0" err="1" smtClean="0"/>
-              <a:t>CppUnit</a:t>
-            </a:r>
-            <a:r>
-              <a:rPr lang="en-US" altLang="zh-CN" dirty="0" smtClean="0"/>
-              <a:t>, Junit, </a:t>
-            </a:r>
-            <a:r>
-              <a:rPr lang="en-US" altLang="zh-CN" dirty="0" err="1" smtClean="0"/>
-              <a:t>Nunit</a:t>
-            </a:r>
-            <a:r>
-              <a:rPr lang="zh-CN" altLang="en-US" dirty="0" smtClean="0"/>
-              <a:t>）</a:t>
-            </a:r>
-            <a:endParaRPr lang="zh-CN" altLang="en-US" dirty="0" smtClean="0"/>
-          </a:p>
-          <a:p>
-            <a:pPr eaLnBrk="1" hangingPunct="1"/>
-            <a:r>
-              <a:rPr lang="zh-CN" altLang="en-US" dirty="0" smtClean="0"/>
-              <a:t>黑盒：</a:t>
-            </a:r>
-            <a:endParaRPr lang="zh-CN" altLang="en-US" dirty="0" smtClean="0"/>
-          </a:p>
-          <a:p>
-            <a:pPr lvl="1" eaLnBrk="1" hangingPunct="1"/>
-            <a:r>
-              <a:rPr lang="zh-CN" altLang="en-US" dirty="0" smtClean="0"/>
-              <a:t>功能测试：</a:t>
-            </a:r>
-            <a:r>
-              <a:rPr lang="en-US" altLang="zh-CN" dirty="0" smtClean="0"/>
-              <a:t>Rational SQA Robot</a:t>
-            </a:r>
-            <a:endParaRPr lang="en-US" altLang="zh-CN" dirty="0" smtClean="0"/>
-          </a:p>
-          <a:p>
-            <a:pPr lvl="1" eaLnBrk="1" hangingPunct="1"/>
-            <a:r>
-              <a:rPr lang="zh-CN" altLang="en-US" dirty="0" smtClean="0"/>
-              <a:t>性能测试： </a:t>
-            </a:r>
-            <a:r>
-              <a:rPr lang="en-US" altLang="zh-CN" dirty="0" smtClean="0"/>
-              <a:t>Rational SQA Load</a:t>
-            </a:r>
-            <a:endParaRPr lang="en-US" altLang="zh-CN" dirty="0" smtClean="0"/>
-          </a:p>
-          <a:p>
-            <a:pPr eaLnBrk="1" hangingPunct="1"/>
-            <a:r>
-              <a:rPr lang="zh-CN" altLang="en-US" dirty="0" smtClean="0"/>
-              <a:t>白盒测试：</a:t>
-            </a:r>
-            <a:endParaRPr lang="zh-CN" altLang="en-US" dirty="0" smtClean="0"/>
-          </a:p>
-          <a:p>
-            <a:pPr lvl="1" eaLnBrk="1" hangingPunct="1"/>
-            <a:r>
-              <a:rPr lang="zh-CN" altLang="en-US" dirty="0" smtClean="0"/>
-              <a:t>内存泄露：</a:t>
-            </a:r>
-            <a:r>
-              <a:rPr lang="en-US" altLang="zh-CN" dirty="0" smtClean="0"/>
-              <a:t>Rational Purify</a:t>
-            </a:r>
-            <a:endParaRPr lang="en-US" altLang="zh-CN" dirty="0" smtClean="0"/>
-          </a:p>
-          <a:p>
-            <a:pPr lvl="1" eaLnBrk="1" hangingPunct="1"/>
-            <a:r>
-              <a:rPr lang="zh-CN" altLang="en-US" dirty="0" smtClean="0"/>
-              <a:t>代码覆盖率：</a:t>
-            </a:r>
-            <a:r>
-              <a:rPr lang="en-US" altLang="zh-CN" dirty="0" smtClean="0"/>
-              <a:t>Rational </a:t>
-            </a:r>
-            <a:r>
-              <a:rPr lang="en-US" altLang="zh-CN" dirty="0" err="1" smtClean="0"/>
-              <a:t>Purecoverage</a:t>
-            </a:r>
-            <a:endParaRPr lang="en-US" altLang="zh-CN" dirty="0" smtClean="0"/>
-          </a:p>
-          <a:p>
-            <a:pPr lvl="1" eaLnBrk="1" hangingPunct="1"/>
-            <a:r>
-              <a:rPr lang="zh-CN" altLang="en-US" dirty="0" smtClean="0"/>
-              <a:t>代码性能：</a:t>
-            </a:r>
-            <a:r>
-              <a:rPr lang="en-US" altLang="zh-CN" dirty="0" smtClean="0"/>
-              <a:t>Rational Quantify</a:t>
-            </a:r>
-            <a:endParaRPr lang="en-US" altLang="zh-CN" dirty="0" smtClean="0"/>
-          </a:p>
-          <a:p>
-            <a:pPr eaLnBrk="1" hangingPunct="1"/>
-            <a:r>
-              <a:rPr lang="zh-CN" altLang="en-US" dirty="0" smtClean="0"/>
-              <a:t>测试管理：</a:t>
-            </a:r>
-            <a:r>
-              <a:rPr lang="en-US" altLang="zh-CN" dirty="0" smtClean="0"/>
-              <a:t>Rational Test Manager</a:t>
-            </a:r>
-            <a:endParaRPr lang="en-US" altLang="zh-CN" dirty="0" smtClean="0"/>
-          </a:p>
-        </p:txBody>
-      </p:sp>
-      <p:sp>
-        <p:nvSpPr>
-          <p:cNvPr id="2" name="Slide Number Placeholder 1"/>
-          <p:cNvSpPr>
-            <a:spLocks noGrp="1"/>
-          </p:cNvSpPr>
-          <p:nvPr>
-            <p:ph type="sldNum" sz="quarter" idx="11"/>
-          </p:nvPr>
-        </p:nvSpPr>
-        <p:spPr/>
-        <p:txBody>
-          <a:bodyPr/>
-          <a:p>
-            <a:pPr>
-              <a:defRPr/>
-            </a:pPr>
-            <a:fld id="{796397BA-8A15-4EA2-81EE-FBE380B2F1EA}" type="slidenum">
-              <a:rPr lang="en-US" altLang="zh-CN"/>
-            </a:fld>
-            <a:endParaRPr lang="en-US" altLang="zh-CN" dirty="0"/>
-          </a:p>
-        </p:txBody>
-      </p:sp>
-    </p:spTree>
-  </p:cSld>
-  <p:clrMapOvr>
-    <a:masterClrMapping/>
-  </p:clrMapOvr>
-  <p:timing>
-    <p:tnLst>
-      <p:par>
-        <p:cTn id="1" dur="indefinite" restart="never" nodeType="tmRoot"/>
-      </p:par>
-    </p:tnLst>
-  </p:timing>
-</p:sld>
-</file>
-
-<file path=ppt/slides/slide27.xml><?xml version="1.0" encoding="utf-8"?>
-<p:sld xmlns:a="http://schemas.openxmlformats.org/drawingml/2006/main" xmlns:r="http://schemas.openxmlformats.org/officeDocument/2006/relationships" xmlns:p="http://schemas.openxmlformats.org/presentationml/2006/main">
-  <p:cSld>
-    <p:spTree>
-      <p:nvGrpSpPr>
-        <p:cNvPr id="1" name=""/>
-        <p:cNvGrpSpPr/>
-        <p:nvPr/>
-      </p:nvGrpSpPr>
-      <p:grpSpPr>
-        <a:xfrm>
-          <a:off x="0" y="0"/>
-          <a:ext cx="0" cy="0"/>
-          <a:chOff x="0" y="0"/>
-          <a:chExt cx="0" cy="0"/>
-        </a:xfrm>
-      </p:grpSpPr>
-      <p:sp>
-        <p:nvSpPr>
-          <p:cNvPr id="38914" name="Rectangle 2"/>
-          <p:cNvSpPr>
-            <a:spLocks noGrp="1" noChangeArrowheads="1"/>
-          </p:cNvSpPr>
-          <p:nvPr>
-            <p:ph type="title"/>
-          </p:nvPr>
-        </p:nvSpPr>
-        <p:spPr/>
-        <p:txBody>
-          <a:bodyPr/>
-          <a:lstStyle/>
-          <a:p>
-            <a:pPr eaLnBrk="1" hangingPunct="1"/>
-            <a:r>
-              <a:rPr lang="en-US" altLang="zh-CN" smtClean="0"/>
-              <a:t>8</a:t>
-            </a:r>
-            <a:r>
-              <a:rPr lang="zh-CN" altLang="en-US" smtClean="0"/>
-              <a:t>、结项</a:t>
-            </a:r>
-            <a:endParaRPr lang="zh-CN" altLang="en-US" smtClean="0"/>
-          </a:p>
-        </p:txBody>
-      </p:sp>
-      <p:sp>
-        <p:nvSpPr>
-          <p:cNvPr id="38915" name="Rectangle 3"/>
-          <p:cNvSpPr>
-            <a:spLocks noGrp="1" noChangeArrowheads="1"/>
-          </p:cNvSpPr>
-          <p:nvPr>
-            <p:ph type="body" idx="1"/>
-          </p:nvPr>
-        </p:nvSpPr>
-        <p:spPr/>
-        <p:txBody>
-          <a:bodyPr/>
-          <a:lstStyle/>
-          <a:p>
-            <a:pPr eaLnBrk="1" hangingPunct="1"/>
-            <a:r>
-              <a:rPr lang="zh-CN" altLang="en-US" smtClean="0"/>
-              <a:t>安装盘的制作</a:t>
-            </a:r>
-            <a:endParaRPr lang="zh-CN" altLang="en-US" smtClean="0"/>
-          </a:p>
-          <a:p>
-            <a:pPr lvl="1" eaLnBrk="1" hangingPunct="1"/>
-            <a:r>
-              <a:rPr lang="en-US" altLang="zh-CN" smtClean="0"/>
-              <a:t>InstallShield, Acresso</a:t>
-            </a:r>
-            <a:r>
-              <a:rPr lang="zh-CN" altLang="en-US" smtClean="0"/>
-              <a:t>公司，事实标准</a:t>
-            </a:r>
-            <a:endParaRPr lang="zh-CN" altLang="en-US" smtClean="0"/>
-          </a:p>
-          <a:p>
-            <a:pPr lvl="1" eaLnBrk="1" hangingPunct="1"/>
-            <a:r>
-              <a:rPr lang="en-US" altLang="zh-CN" smtClean="0"/>
-              <a:t>VisioStudio.Net </a:t>
-            </a:r>
-            <a:r>
-              <a:rPr lang="zh-CN" altLang="en-US" smtClean="0"/>
-              <a:t>发布程序</a:t>
-            </a:r>
-            <a:endParaRPr lang="zh-CN" altLang="en-US" smtClean="0"/>
-          </a:p>
-          <a:p>
-            <a:pPr eaLnBrk="1" hangingPunct="1"/>
-            <a:r>
-              <a:rPr lang="zh-CN" altLang="en-US" smtClean="0"/>
-              <a:t>版权保护</a:t>
-            </a:r>
-            <a:endParaRPr lang="zh-CN" altLang="en-US" smtClean="0"/>
-          </a:p>
-          <a:p>
-            <a:pPr lvl="1" eaLnBrk="1" hangingPunct="1"/>
-            <a:r>
-              <a:rPr lang="zh-CN" altLang="en-US" smtClean="0"/>
-              <a:t>加密：序列号</a:t>
-            </a:r>
-            <a:endParaRPr lang="zh-CN" altLang="en-US" smtClean="0"/>
-          </a:p>
-          <a:p>
-            <a:pPr eaLnBrk="1" hangingPunct="1"/>
-            <a:r>
-              <a:rPr lang="zh-CN" altLang="en-US" smtClean="0"/>
-              <a:t>说明书帮助文档制作</a:t>
-            </a:r>
-            <a:endParaRPr lang="zh-CN" altLang="en-US" smtClean="0"/>
-          </a:p>
-          <a:p>
-            <a:pPr lvl="1" eaLnBrk="1" hangingPunct="1"/>
-            <a:r>
-              <a:rPr lang="en-US" altLang="zh-CN" smtClean="0"/>
-              <a:t>HLP</a:t>
-            </a:r>
-            <a:r>
-              <a:rPr lang="zh-CN" altLang="en-US" smtClean="0"/>
-              <a:t>，早期，</a:t>
-            </a:r>
-            <a:r>
-              <a:rPr lang="en-US" altLang="zh-CN" smtClean="0"/>
-              <a:t>Microsoft Help Workshop</a:t>
-            </a:r>
-            <a:endParaRPr lang="en-US" altLang="zh-CN" smtClean="0"/>
-          </a:p>
-          <a:p>
-            <a:pPr lvl="1" eaLnBrk="1" hangingPunct="1"/>
-            <a:r>
-              <a:rPr lang="en-US" altLang="zh-CN" smtClean="0"/>
-              <a:t>CHM, 1998</a:t>
-            </a:r>
-            <a:r>
-              <a:rPr lang="zh-CN" altLang="en-US" smtClean="0"/>
-              <a:t>年推出， </a:t>
-            </a:r>
-            <a:r>
-              <a:rPr lang="en-US" altLang="zh-CN" smtClean="0"/>
-              <a:t>Microsoft Html Help Workshop</a:t>
-            </a:r>
-            <a:endParaRPr lang="en-US" altLang="zh-CN" smtClean="0"/>
           </a:p>
         </p:txBody>
       </p:sp>
@@ -9306,7 +9254,7 @@
       </p:grpSpPr>
       <p:sp>
         <p:nvSpPr>
-          <p:cNvPr id="39938" name="Rectangle 2"/>
+          <p:cNvPr id="37890" name="Rectangle 2"/>
           <p:cNvSpPr>
             <a:spLocks noGrp="1" noChangeArrowheads="1"/>
           </p:cNvSpPr>
@@ -9322,11 +9270,21 @@
             <a:pPr eaLnBrk="1" hangingPunct="1"/>
             <a:r>
               <a:rPr lang="en-US" altLang="zh-CN" smtClean="0"/>
-              <a:t>8</a:t>
+              <a:t>7</a:t>
             </a:r>
             <a:r>
               <a:rPr lang="zh-CN" altLang="en-US" smtClean="0"/>
-              <a:t>、软件维护</a:t>
+              <a:t>、软件测试</a:t>
+            </a:r>
+            <a:r>
+              <a:rPr lang="en-US" altLang="zh-CN" smtClean="0">
+                <a:latin typeface="Arial" charset="0"/>
+              </a:rPr>
+              <a:t>——</a:t>
+            </a:r>
+            <a:r>
+              <a:rPr lang="zh-CN" altLang="en-US" smtClean="0"/>
+              <a:t>测试工具 </a:t>
             </a:r>
             <a:endParaRPr lang="zh-CN" altLang="en-US" smtClean="0"/>
           </a:p>
@@ -9334,7 +9292,7 @@
       </p:sp>
       <p:sp>
         <p:nvSpPr>
-          <p:cNvPr id="39939" name="Rectangle 3"/>
+          <p:cNvPr id="37891" name="Rectangle 3"/>
           <p:cNvSpPr>
             <a:spLocks noGrp="1" noChangeArrowheads="1"/>
           </p:cNvSpPr>
@@ -9342,7 +9300,12 @@
             <p:ph type="body" idx="1"/>
           </p:nvPr>
         </p:nvSpPr>
-        <p:spPr/>
+        <p:spPr>
+          <a:xfrm>
+            <a:off x="533400" y="1447800"/>
+            <a:ext cx="8193088" cy="5029200"/>
+          </a:xfrm>
+        </p:spPr>
         <p:txBody>
           <a:bodyPr/>
           <a:lstStyle/>
@@ -9350,11 +9313,31 @@
             <a:pPr eaLnBrk="1" hangingPunct="1"/>
             <a:r>
               <a:rPr lang="zh-CN" altLang="en-US" dirty="0" smtClean="0"/>
-              <a:t>未发现的</a:t>
+              <a:t>单元测试：</a:t>
+            </a:r>
+            <a:r>
+              <a:rPr lang="en-US" altLang="zh-CN" dirty="0" err="1" smtClean="0"/>
+              <a:t>xUnit</a:t>
+            </a:r>
+            <a:r>
+              <a:rPr lang="zh-CN" altLang="en-US" dirty="0" smtClean="0"/>
+              <a:t>（</a:t>
+            </a:r>
+            <a:r>
+              <a:rPr lang="en-US" altLang="zh-CN" dirty="0" err="1" smtClean="0"/>
+              <a:t>CppUnit</a:t>
             </a:r>
             <a:r>
               <a:rPr lang="en-US" altLang="zh-CN" dirty="0" smtClean="0"/>
-              <a:t>Bug</a:t>
+              <a:t>, Junit, </a:t>
+            </a:r>
+            <a:r>
+              <a:rPr lang="en-US" altLang="zh-CN" dirty="0" err="1" smtClean="0"/>
+              <a:t>Nunit</a:t>
+            </a:r>
+            <a:r>
+              <a:rPr lang="zh-CN" altLang="en-US" dirty="0" smtClean="0"/>
+              <a:t>）</a:t>
             </a:r>
             <a:endParaRPr lang="zh-CN" altLang="en-US" dirty="0" smtClean="0"/>
           </a:p>
@@ -9362,33 +9345,91 @@
             <a:pPr eaLnBrk="1" hangingPunct="1"/>
             <a:r>
               <a:rPr lang="zh-CN" altLang="en-US" dirty="0" smtClean="0"/>
-              <a:t>需求改变</a:t>
+              <a:t>黑盒：</a:t>
             </a:r>
             <a:endParaRPr lang="zh-CN" altLang="en-US" dirty="0" smtClean="0"/>
           </a:p>
           <a:p>
+            <a:pPr lvl="1" eaLnBrk="1" hangingPunct="1"/>
+            <a:r>
+              <a:rPr lang="zh-CN" altLang="en-US" dirty="0" smtClean="0"/>
+              <a:t>功能测试：</a:t>
+            </a:r>
+            <a:r>
+              <a:rPr lang="en-US" altLang="zh-CN" dirty="0" smtClean="0"/>
+              <a:t>Rational SQA Robot</a:t>
+            </a:r>
+            <a:endParaRPr lang="en-US" altLang="zh-CN" dirty="0" smtClean="0"/>
+          </a:p>
+          <a:p>
+            <a:pPr lvl="1" eaLnBrk="1" hangingPunct="1"/>
+            <a:r>
+              <a:rPr lang="zh-CN" altLang="en-US" dirty="0" smtClean="0"/>
+              <a:t>性能测试： </a:t>
+            </a:r>
+            <a:r>
+              <a:rPr lang="en-US" altLang="zh-CN" dirty="0" smtClean="0"/>
+              <a:t>Rational SQA Load</a:t>
+            </a:r>
+            <a:endParaRPr lang="en-US" altLang="zh-CN" dirty="0" smtClean="0"/>
+          </a:p>
+          <a:p>
             <a:pPr eaLnBrk="1" hangingPunct="1"/>
             <a:r>
               <a:rPr lang="zh-CN" altLang="en-US" dirty="0" smtClean="0"/>
-              <a:t>版本升级兼容</a:t>
+              <a:t>白盒测试：</a:t>
             </a:r>
             <a:endParaRPr lang="zh-CN" altLang="en-US" dirty="0" smtClean="0"/>
           </a:p>
           <a:p>
+            <a:pPr lvl="1" eaLnBrk="1" hangingPunct="1"/>
+            <a:r>
+              <a:rPr lang="zh-CN" altLang="en-US" dirty="0" smtClean="0"/>
+              <a:t>内存泄露：</a:t>
+            </a:r>
+            <a:r>
+              <a:rPr lang="en-US" altLang="zh-CN" dirty="0" smtClean="0"/>
+              <a:t>Rational Purify</a:t>
+            </a:r>
+            <a:endParaRPr lang="en-US" altLang="zh-CN" dirty="0" smtClean="0"/>
+          </a:p>
+          <a:p>
+            <a:pPr lvl="1" eaLnBrk="1" hangingPunct="1"/>
+            <a:r>
+              <a:rPr lang="zh-CN" altLang="en-US" dirty="0" smtClean="0"/>
+              <a:t>代码覆盖率：</a:t>
+            </a:r>
+            <a:r>
+              <a:rPr lang="en-US" altLang="zh-CN" dirty="0" smtClean="0"/>
+              <a:t>Rational </a:t>
+            </a:r>
+            <a:r>
+              <a:rPr lang="en-US" altLang="zh-CN" dirty="0" err="1" smtClean="0"/>
+              <a:t>Purecoverage</a:t>
+            </a:r>
+            <a:endParaRPr lang="en-US" altLang="zh-CN" dirty="0" smtClean="0"/>
+          </a:p>
+          <a:p>
+            <a:pPr lvl="1" eaLnBrk="1" hangingPunct="1"/>
+            <a:r>
+              <a:rPr lang="zh-CN" altLang="en-US" dirty="0" smtClean="0"/>
+              <a:t>代码性能：</a:t>
+            </a:r>
+            <a:r>
+              <a:rPr lang="en-US" altLang="zh-CN" dirty="0" smtClean="0"/>
+              <a:t>Rational Quantify</a:t>
+            </a:r>
+            <a:endParaRPr lang="en-US" altLang="zh-CN" dirty="0" smtClean="0"/>
+          </a:p>
+          <a:p>
             <a:pPr eaLnBrk="1" hangingPunct="1"/>
             <a:r>
               <a:rPr lang="zh-CN" altLang="en-US" dirty="0" smtClean="0"/>
-              <a:t>售后培训</a:t>
-            </a:r>
-            <a:endParaRPr lang="zh-CN" altLang="en-US" dirty="0" smtClean="0"/>
-          </a:p>
-          <a:p>
-            <a:pPr eaLnBrk="1" hangingPunct="1"/>
-            <a:r>
-              <a:rPr lang="en-US" altLang="zh-CN" dirty="0" smtClean="0">
-                <a:latin typeface="Arial" charset="0"/>
-              </a:rPr>
-              <a:t>……</a:t>
+              <a:t>测试管理：</a:t>
+            </a:r>
+            <a:r>
+              <a:rPr lang="en-US" altLang="zh-CN" dirty="0" smtClean="0"/>
+              <a:t>Rational Test Manager</a:t>
             </a:r>
             <a:endParaRPr lang="en-US" altLang="zh-CN" dirty="0" smtClean="0"/>
           </a:p>
@@ -9434,6 +9475,770 @@
 </file>
 
 <file path=ppt/slides/slide29.xml><?xml version="1.0" encoding="utf-8"?>
+<p:sld xmlns:a="http://schemas.openxmlformats.org/drawingml/2006/main" xmlns:r="http://schemas.openxmlformats.org/officeDocument/2006/relationships" xmlns:p="http://schemas.openxmlformats.org/presentationml/2006/main">
+  <p:cSld>
+    <p:spTree>
+      <p:nvGrpSpPr>
+        <p:cNvPr id="1" name=""/>
+        <p:cNvGrpSpPr/>
+        <p:nvPr/>
+      </p:nvGrpSpPr>
+      <p:grpSpPr>
+        <a:xfrm>
+          <a:off x="0" y="0"/>
+          <a:ext cx="0" cy="0"/>
+          <a:chOff x="0" y="0"/>
+          <a:chExt cx="0" cy="0"/>
+        </a:xfrm>
+      </p:grpSpPr>
+      <p:sp>
+        <p:nvSpPr>
+          <p:cNvPr id="38914" name="Rectangle 2"/>
+          <p:cNvSpPr>
+            <a:spLocks noGrp="1" noChangeArrowheads="1"/>
+          </p:cNvSpPr>
+          <p:nvPr>
+            <p:ph type="title"/>
+          </p:nvPr>
+        </p:nvSpPr>
+        <p:spPr/>
+        <p:txBody>
+          <a:bodyPr/>
+          <a:lstStyle/>
+          <a:p>
+            <a:pPr eaLnBrk="1" hangingPunct="1"/>
+            <a:r>
+              <a:rPr lang="en-US" altLang="zh-CN" smtClean="0"/>
+              <a:t>8</a:t>
+            </a:r>
+            <a:r>
+              <a:rPr lang="zh-CN" altLang="en-US" smtClean="0"/>
+              <a:t>、结项</a:t>
+            </a:r>
+            <a:endParaRPr lang="zh-CN" altLang="en-US" smtClean="0"/>
+          </a:p>
+        </p:txBody>
+      </p:sp>
+      <p:sp>
+        <p:nvSpPr>
+          <p:cNvPr id="38915" name="Rectangle 3"/>
+          <p:cNvSpPr>
+            <a:spLocks noGrp="1" noChangeArrowheads="1"/>
+          </p:cNvSpPr>
+          <p:nvPr>
+            <p:ph type="body" idx="1"/>
+          </p:nvPr>
+        </p:nvSpPr>
+        <p:spPr/>
+        <p:txBody>
+          <a:bodyPr/>
+          <a:lstStyle/>
+          <a:p>
+            <a:pPr eaLnBrk="1" hangingPunct="1"/>
+            <a:r>
+              <a:rPr lang="zh-CN" altLang="en-US" smtClean="0"/>
+              <a:t>安装盘的制作</a:t>
+            </a:r>
+            <a:endParaRPr lang="zh-CN" altLang="en-US" smtClean="0"/>
+          </a:p>
+          <a:p>
+            <a:pPr lvl="1" eaLnBrk="1" hangingPunct="1"/>
+            <a:r>
+              <a:rPr lang="en-US" altLang="zh-CN" smtClean="0"/>
+              <a:t>InstallShield, Acresso</a:t>
+            </a:r>
+            <a:r>
+              <a:rPr lang="zh-CN" altLang="en-US" smtClean="0"/>
+              <a:t>公司，事实标准</a:t>
+            </a:r>
+            <a:endParaRPr lang="zh-CN" altLang="en-US" smtClean="0"/>
+          </a:p>
+          <a:p>
+            <a:pPr lvl="1" eaLnBrk="1" hangingPunct="1"/>
+            <a:r>
+              <a:rPr lang="en-US" altLang="zh-CN" smtClean="0"/>
+              <a:t>VisioStudio.Net </a:t>
+            </a:r>
+            <a:r>
+              <a:rPr lang="zh-CN" altLang="en-US" smtClean="0"/>
+              <a:t>发布程序</a:t>
+            </a:r>
+            <a:endParaRPr lang="zh-CN" altLang="en-US" smtClean="0"/>
+          </a:p>
+          <a:p>
+            <a:pPr eaLnBrk="1" hangingPunct="1"/>
+            <a:r>
+              <a:rPr lang="zh-CN" altLang="en-US" smtClean="0"/>
+              <a:t>版权保护</a:t>
+            </a:r>
+            <a:endParaRPr lang="zh-CN" altLang="en-US" smtClean="0"/>
+          </a:p>
+          <a:p>
+            <a:pPr lvl="1" eaLnBrk="1" hangingPunct="1"/>
+            <a:r>
+              <a:rPr lang="zh-CN" altLang="en-US" smtClean="0"/>
+              <a:t>加密：序列号</a:t>
+            </a:r>
+            <a:endParaRPr lang="zh-CN" altLang="en-US" smtClean="0"/>
+          </a:p>
+          <a:p>
+            <a:pPr eaLnBrk="1" hangingPunct="1"/>
+            <a:r>
+              <a:rPr lang="zh-CN" altLang="en-US" smtClean="0"/>
+              <a:t>说明书帮助文档制作</a:t>
+            </a:r>
+            <a:endParaRPr lang="zh-CN" altLang="en-US" smtClean="0"/>
+          </a:p>
+          <a:p>
+            <a:pPr lvl="1" eaLnBrk="1" hangingPunct="1"/>
+            <a:r>
+              <a:rPr lang="en-US" altLang="zh-CN" smtClean="0"/>
+              <a:t>HLP</a:t>
+            </a:r>
+            <a:r>
+              <a:rPr lang="zh-CN" altLang="en-US" smtClean="0"/>
+              <a:t>，早期，</a:t>
+            </a:r>
+            <a:r>
+              <a:rPr lang="en-US" altLang="zh-CN" smtClean="0"/>
+              <a:t>Microsoft Help Workshop</a:t>
+            </a:r>
+            <a:endParaRPr lang="en-US" altLang="zh-CN" smtClean="0"/>
+          </a:p>
+          <a:p>
+            <a:pPr lvl="1" eaLnBrk="1" hangingPunct="1"/>
+            <a:r>
+              <a:rPr lang="en-US" altLang="zh-CN" smtClean="0"/>
+              <a:t>CHM, 1998</a:t>
+            </a:r>
+            <a:r>
+              <a:rPr lang="zh-CN" altLang="en-US" smtClean="0"/>
+              <a:t>年推出， </a:t>
+            </a:r>
+            <a:r>
+              <a:rPr lang="en-US" altLang="zh-CN" smtClean="0"/>
+              <a:t>Microsoft Html Help Workshop</a:t>
+            </a:r>
+            <a:endParaRPr lang="en-US" altLang="zh-CN" smtClean="0"/>
+          </a:p>
+        </p:txBody>
+      </p:sp>
+      <p:sp>
+        <p:nvSpPr>
+          <p:cNvPr id="2" name="Slide Number Placeholder 1"/>
+          <p:cNvSpPr>
+            <a:spLocks noGrp="1"/>
+          </p:cNvSpPr>
+          <p:nvPr>
+            <p:ph type="sldNum" sz="quarter" idx="11"/>
+          </p:nvPr>
+        </p:nvSpPr>
+        <p:spPr/>
+        <p:txBody>
+          <a:bodyPr/>
+          <a:p>
+            <a:pPr>
+              <a:defRPr/>
+            </a:pPr>
+            <a:fld id="{796397BA-8A15-4EA2-81EE-FBE380B2F1EA}" type="slidenum">
+              <a:rPr lang="en-US" altLang="zh-CN"/>
+            </a:fld>
+            <a:endParaRPr lang="en-US" altLang="zh-CN" dirty="0"/>
+          </a:p>
+        </p:txBody>
+      </p:sp>
+    </p:spTree>
+  </p:cSld>
+  <p:clrMapOvr>
+    <a:masterClrMapping/>
+  </p:clrMapOvr>
+  <p:timing>
+    <p:tnLst>
+      <p:par>
+        <p:cTn id="1" dur="indefinite" restart="never" nodeType="tmRoot"/>
+      </p:par>
+    </p:tnLst>
+  </p:timing>
+</p:sld>
+</file>
+
+<file path=ppt/slides/slide3.xml><?xml version="1.0" encoding="utf-8"?>
+<p:sld xmlns:a="http://schemas.openxmlformats.org/drawingml/2006/main" xmlns:r="http://schemas.openxmlformats.org/officeDocument/2006/relationships" xmlns:p="http://schemas.openxmlformats.org/presentationml/2006/main">
+  <p:cSld>
+    <p:spTree>
+      <p:nvGrpSpPr>
+        <p:cNvPr id="1" name=""/>
+        <p:cNvGrpSpPr/>
+        <p:nvPr/>
+      </p:nvGrpSpPr>
+      <p:grpSpPr>
+        <a:xfrm>
+          <a:off x="0" y="0"/>
+          <a:ext cx="0" cy="0"/>
+          <a:chOff x="0" y="0"/>
+          <a:chExt cx="0" cy="0"/>
+        </a:xfrm>
+      </p:grpSpPr>
+      <p:sp>
+        <p:nvSpPr>
+          <p:cNvPr id="10242" name="Rectangle 2"/>
+          <p:cNvSpPr>
+            <a:spLocks noGrp="1" noChangeArrowheads="1"/>
+          </p:cNvSpPr>
+          <p:nvPr>
+            <p:ph type="title"/>
+          </p:nvPr>
+        </p:nvSpPr>
+        <p:spPr/>
+        <p:txBody>
+          <a:bodyPr/>
+          <a:lstStyle/>
+          <a:p>
+            <a:pPr eaLnBrk="1" hangingPunct="1"/>
+            <a:r>
+              <a:rPr lang="zh-CN" altLang="en-US" smtClean="0"/>
+              <a:t>软件开发流程概述</a:t>
+            </a:r>
+            <a:endParaRPr lang="zh-CN" altLang="en-US" smtClean="0"/>
+          </a:p>
+        </p:txBody>
+      </p:sp>
+      <p:sp>
+        <p:nvSpPr>
+          <p:cNvPr id="106499" name="Rectangle 3"/>
+          <p:cNvSpPr>
+            <a:spLocks noGrp="1" noChangeArrowheads="1"/>
+          </p:cNvSpPr>
+          <p:nvPr>
+            <p:ph type="body" idx="1"/>
+          </p:nvPr>
+        </p:nvSpPr>
+        <p:spPr/>
+        <p:txBody>
+          <a:bodyPr/>
+          <a:lstStyle/>
+          <a:p>
+            <a:pPr eaLnBrk="1" hangingPunct="1"/>
+            <a:r>
+              <a:rPr lang="zh-CN" altLang="en-US" smtClean="0"/>
+              <a:t>项目：</a:t>
+            </a:r>
+            <a:endParaRPr lang="zh-CN" altLang="en-US" smtClean="0"/>
+          </a:p>
+          <a:p>
+            <a:pPr lvl="1" eaLnBrk="1" hangingPunct="1"/>
+            <a:r>
+              <a:rPr lang="zh-CN" altLang="en-US" smtClean="0"/>
+              <a:t>需求来自某个别用户，定制性能</a:t>
+            </a:r>
+            <a:endParaRPr lang="zh-CN" altLang="en-US" smtClean="0"/>
+          </a:p>
+          <a:p>
+            <a:pPr lvl="1" eaLnBrk="1" hangingPunct="1"/>
+            <a:r>
+              <a:rPr lang="zh-CN" altLang="en-US" smtClean="0"/>
+              <a:t>政府、企业、基金项目</a:t>
+            </a:r>
+            <a:endParaRPr lang="zh-CN" altLang="en-US" smtClean="0"/>
+          </a:p>
+          <a:p>
+            <a:pPr lvl="1" eaLnBrk="1" hangingPunct="1"/>
+            <a:r>
+              <a:rPr lang="zh-CN" altLang="en-US" smtClean="0"/>
+              <a:t>金土资源、</a:t>
+            </a:r>
+            <a:r>
+              <a:rPr lang="en-US" altLang="zh-CN" smtClean="0"/>
+              <a:t>myPKI</a:t>
+            </a:r>
+            <a:endParaRPr lang="en-US" altLang="zh-CN" smtClean="0"/>
+          </a:p>
+          <a:p>
+            <a:pPr eaLnBrk="1" hangingPunct="1"/>
+            <a:r>
+              <a:rPr lang="zh-CN" altLang="en-US" smtClean="0"/>
+              <a:t>产品：</a:t>
+            </a:r>
+            <a:endParaRPr lang="zh-CN" altLang="en-US" smtClean="0"/>
+          </a:p>
+          <a:p>
+            <a:pPr lvl="1" eaLnBrk="1" hangingPunct="1"/>
+            <a:r>
+              <a:rPr lang="zh-CN" altLang="en-US" smtClean="0"/>
+              <a:t>需求来自某类用户，不单独定制</a:t>
+            </a:r>
+            <a:endParaRPr lang="zh-CN" altLang="en-US" smtClean="0"/>
+          </a:p>
+          <a:p>
+            <a:pPr lvl="1" eaLnBrk="1" hangingPunct="1"/>
+            <a:r>
+              <a:rPr lang="en-US" altLang="zh-CN" smtClean="0"/>
+              <a:t>Windows</a:t>
+            </a:r>
+            <a:endParaRPr lang="en-US" altLang="zh-CN" smtClean="0"/>
+          </a:p>
+        </p:txBody>
+      </p:sp>
+      <p:sp>
+        <p:nvSpPr>
+          <p:cNvPr id="2" name="Slide Number Placeholder 1"/>
+          <p:cNvSpPr>
+            <a:spLocks noGrp="1"/>
+          </p:cNvSpPr>
+          <p:nvPr>
+            <p:ph type="sldNum" sz="quarter" idx="11"/>
+          </p:nvPr>
+        </p:nvSpPr>
+        <p:spPr/>
+        <p:txBody>
+          <a:bodyPr/>
+          <a:p>
+            <a:pPr>
+              <a:defRPr/>
+            </a:pPr>
+            <a:fld id="{796397BA-8A15-4EA2-81EE-FBE380B2F1EA}" type="slidenum">
+              <a:rPr lang="en-US" altLang="zh-CN"/>
+            </a:fld>
+            <a:endParaRPr lang="en-US" altLang="zh-CN" dirty="0"/>
+          </a:p>
+        </p:txBody>
+      </p:sp>
+    </p:spTree>
+  </p:cSld>
+  <p:clrMapOvr>
+    <a:masterClrMapping/>
+  </p:clrMapOvr>
+  <p:timing>
+    <p:tnLst>
+      <p:par>
+        <p:cTn id="1" dur="indefinite" restart="never" nodeType="tmRoot">
+          <p:childTnLst>
+            <p:seq concurrent="1" nextAc="seek">
+              <p:cTn id="2" dur="indefinite" nodeType="mainSeq">
+                <p:childTnLst>
+                  <p:par>
+                    <p:cTn id="3" fill="hold">
+                      <p:stCondLst>
+                        <p:cond delay="indefinite"/>
+                      </p:stCondLst>
+                      <p:childTnLst>
+                        <p:par>
+                          <p:cTn id="4" fill="hold">
+                            <p:stCondLst>
+                              <p:cond delay="0"/>
+                            </p:stCondLst>
+                            <p:childTnLst>
+                              <p:par>
+                                <p:cTn id="5" presetID="5" presetClass="entr" presetSubtype="10" fill="hold" nodeType="clickEffect">
+                                  <p:stCondLst>
+                                    <p:cond delay="0"/>
+                                  </p:stCondLst>
+                                  <p:childTnLst>
+                                    <p:set>
+                                      <p:cBhvr>
+                                        <p:cTn id="6" dur="1" fill="hold">
+                                          <p:stCondLst>
+                                            <p:cond delay="0"/>
+                                          </p:stCondLst>
+                                        </p:cTn>
+                                        <p:tgtEl>
+                                          <p:spTgt spid="106499">
+                                            <p:txEl>
+                                              <p:pRg st="1" end="1"/>
+                                            </p:txEl>
+                                          </p:spTgt>
+                                        </p:tgtEl>
+                                        <p:attrNameLst>
+                                          <p:attrName>style.visibility</p:attrName>
+                                        </p:attrNameLst>
+                                      </p:cBhvr>
+                                      <p:to>
+                                        <p:strVal val="visible"/>
+                                      </p:to>
+                                    </p:set>
+                                    <p:animEffect transition="in" filter="checkerboard(across)">
+                                      <p:cBhvr>
+                                        <p:cTn id="7" dur="500"/>
+                                        <p:tgtEl>
+                                          <p:spTgt spid="106499">
+                                            <p:txEl>
+                                              <p:pRg st="1" end="1"/>
+                                            </p:txEl>
+                                          </p:spTgt>
+                                        </p:tgtEl>
+                                      </p:cBhvr>
+                                    </p:animEffect>
+                                  </p:childTnLst>
+                                </p:cTn>
+                              </p:par>
+                              <p:par>
+                                <p:cTn id="8" presetID="5" presetClass="entr" presetSubtype="10" fill="hold" nodeType="withEffect">
+                                  <p:stCondLst>
+                                    <p:cond delay="0"/>
+                                  </p:stCondLst>
+                                  <p:childTnLst>
+                                    <p:set>
+                                      <p:cBhvr>
+                                        <p:cTn id="9" dur="1" fill="hold">
+                                          <p:stCondLst>
+                                            <p:cond delay="0"/>
+                                          </p:stCondLst>
+                                        </p:cTn>
+                                        <p:tgtEl>
+                                          <p:spTgt spid="106499">
+                                            <p:txEl>
+                                              <p:pRg st="2" end="2"/>
+                                            </p:txEl>
+                                          </p:spTgt>
+                                        </p:tgtEl>
+                                        <p:attrNameLst>
+                                          <p:attrName>style.visibility</p:attrName>
+                                        </p:attrNameLst>
+                                      </p:cBhvr>
+                                      <p:to>
+                                        <p:strVal val="visible"/>
+                                      </p:to>
+                                    </p:set>
+                                    <p:animEffect transition="in" filter="checkerboard(across)">
+                                      <p:cBhvr>
+                                        <p:cTn id="10" dur="500"/>
+                                        <p:tgtEl>
+                                          <p:spTgt spid="106499">
+                                            <p:txEl>
+                                              <p:pRg st="2" end="2"/>
+                                            </p:txEl>
+                                          </p:spTgt>
+                                        </p:tgtEl>
+                                      </p:cBhvr>
+                                    </p:animEffect>
+                                  </p:childTnLst>
+                                </p:cTn>
+                              </p:par>
+                              <p:par>
+                                <p:cTn id="11" presetID="5" presetClass="entr" presetSubtype="10" fill="hold" nodeType="withEffect">
+                                  <p:stCondLst>
+                                    <p:cond delay="0"/>
+                                  </p:stCondLst>
+                                  <p:childTnLst>
+                                    <p:set>
+                                      <p:cBhvr>
+                                        <p:cTn id="12" dur="1" fill="hold">
+                                          <p:stCondLst>
+                                            <p:cond delay="0"/>
+                                          </p:stCondLst>
+                                        </p:cTn>
+                                        <p:tgtEl>
+                                          <p:spTgt spid="106499">
+                                            <p:txEl>
+                                              <p:pRg st="3" end="3"/>
+                                            </p:txEl>
+                                          </p:spTgt>
+                                        </p:tgtEl>
+                                        <p:attrNameLst>
+                                          <p:attrName>style.visibility</p:attrName>
+                                        </p:attrNameLst>
+                                      </p:cBhvr>
+                                      <p:to>
+                                        <p:strVal val="visible"/>
+                                      </p:to>
+                                    </p:set>
+                                    <p:animEffect transition="in" filter="checkerboard(across)">
+                                      <p:cBhvr>
+                                        <p:cTn id="13" dur="500"/>
+                                        <p:tgtEl>
+                                          <p:spTgt spid="106499">
+                                            <p:txEl>
+                                              <p:pRg st="3" end="3"/>
+                                            </p:txEl>
+                                          </p:spTgt>
+                                        </p:tgtEl>
+                                      </p:cBhvr>
+                                    </p:animEffect>
+                                  </p:childTnLst>
+                                </p:cTn>
+                              </p:par>
+                            </p:childTnLst>
+                          </p:cTn>
+                        </p:par>
+                      </p:childTnLst>
+                    </p:cTn>
+                  </p:par>
+                  <p:par>
+                    <p:cTn id="14" fill="hold">
+                      <p:stCondLst>
+                        <p:cond delay="indefinite"/>
+                      </p:stCondLst>
+                      <p:childTnLst>
+                        <p:par>
+                          <p:cTn id="15" fill="hold">
+                            <p:stCondLst>
+                              <p:cond delay="0"/>
+                            </p:stCondLst>
+                            <p:childTnLst>
+                              <p:par>
+                                <p:cTn id="16" presetID="5" presetClass="entr" presetSubtype="10" fill="hold" nodeType="clickEffect">
+                                  <p:stCondLst>
+                                    <p:cond delay="0"/>
+                                  </p:stCondLst>
+                                  <p:childTnLst>
+                                    <p:set>
+                                      <p:cBhvr>
+                                        <p:cTn id="17" dur="1" fill="hold">
+                                          <p:stCondLst>
+                                            <p:cond delay="0"/>
+                                          </p:stCondLst>
+                                        </p:cTn>
+                                        <p:tgtEl>
+                                          <p:spTgt spid="106499">
+                                            <p:txEl>
+                                              <p:pRg st="5" end="5"/>
+                                            </p:txEl>
+                                          </p:spTgt>
+                                        </p:tgtEl>
+                                        <p:attrNameLst>
+                                          <p:attrName>style.visibility</p:attrName>
+                                        </p:attrNameLst>
+                                      </p:cBhvr>
+                                      <p:to>
+                                        <p:strVal val="visible"/>
+                                      </p:to>
+                                    </p:set>
+                                    <p:animEffect transition="in" filter="checkerboard(across)">
+                                      <p:cBhvr>
+                                        <p:cTn id="18" dur="500"/>
+                                        <p:tgtEl>
+                                          <p:spTgt spid="106499">
+                                            <p:txEl>
+                                              <p:pRg st="5" end="5"/>
+                                            </p:txEl>
+                                          </p:spTgt>
+                                        </p:tgtEl>
+                                      </p:cBhvr>
+                                    </p:animEffect>
+                                  </p:childTnLst>
+                                </p:cTn>
+                              </p:par>
+                              <p:par>
+                                <p:cTn id="19" presetID="5" presetClass="entr" presetSubtype="10" fill="hold" nodeType="withEffect">
+                                  <p:stCondLst>
+                                    <p:cond delay="0"/>
+                                  </p:stCondLst>
+                                  <p:childTnLst>
+                                    <p:set>
+                                      <p:cBhvr>
+                                        <p:cTn id="20" dur="1" fill="hold">
+                                          <p:stCondLst>
+                                            <p:cond delay="0"/>
+                                          </p:stCondLst>
+                                        </p:cTn>
+                                        <p:tgtEl>
+                                          <p:spTgt spid="106499">
+                                            <p:txEl>
+                                              <p:pRg st="6" end="6"/>
+                                            </p:txEl>
+                                          </p:spTgt>
+                                        </p:tgtEl>
+                                        <p:attrNameLst>
+                                          <p:attrName>style.visibility</p:attrName>
+                                        </p:attrNameLst>
+                                      </p:cBhvr>
+                                      <p:to>
+                                        <p:strVal val="visible"/>
+                                      </p:to>
+                                    </p:set>
+                                    <p:animEffect transition="in" filter="checkerboard(across)">
+                                      <p:cBhvr>
+                                        <p:cTn id="21" dur="500"/>
+                                        <p:tgtEl>
+                                          <p:spTgt spid="106499">
+                                            <p:txEl>
+                                              <p:pRg st="6" end="6"/>
+                                            </p:txEl>
+                                          </p:spTgt>
+                                        </p:tgtEl>
+                                      </p:cBhvr>
+                                    </p:animEffect>
+                                  </p:childTnLst>
+                                </p:cTn>
+                              </p:par>
+                            </p:childTnLst>
+                          </p:cTn>
+                        </p:par>
+                      </p:childTnLst>
+                    </p:cTn>
+                  </p:par>
+                </p:childTnLst>
+              </p:cTn>
+              <p:prevCondLst>
+                <p:cond evt="onPrev" delay="0">
+                  <p:tgtEl>
+                    <p:sldTgt/>
+                  </p:tgtEl>
+                </p:cond>
+              </p:prevCondLst>
+              <p:nextCondLst>
+                <p:cond evt="onNext" delay="0">
+                  <p:tgtEl>
+                    <p:sldTgt/>
+                  </p:tgtEl>
+                </p:cond>
+              </p:nextCondLst>
+            </p:seq>
+          </p:childTnLst>
+        </p:cTn>
+      </p:par>
+    </p:tnLst>
+  </p:timing>
+</p:sld>
+</file>
+
+<file path=ppt/slides/slide30.xml><?xml version="1.0" encoding="utf-8"?>
+<p:sld xmlns:a="http://schemas.openxmlformats.org/drawingml/2006/main" xmlns:r="http://schemas.openxmlformats.org/officeDocument/2006/relationships" xmlns:p="http://schemas.openxmlformats.org/presentationml/2006/main">
+  <p:cSld>
+    <p:spTree>
+      <p:nvGrpSpPr>
+        <p:cNvPr id="1" name=""/>
+        <p:cNvGrpSpPr/>
+        <p:nvPr/>
+      </p:nvGrpSpPr>
+      <p:grpSpPr>
+        <a:xfrm>
+          <a:off x="0" y="0"/>
+          <a:ext cx="0" cy="0"/>
+          <a:chOff x="0" y="0"/>
+          <a:chExt cx="0" cy="0"/>
+        </a:xfrm>
+      </p:grpSpPr>
+      <p:sp>
+        <p:nvSpPr>
+          <p:cNvPr id="39938" name="Rectangle 2"/>
+          <p:cNvSpPr>
+            <a:spLocks noGrp="1" noChangeArrowheads="1"/>
+          </p:cNvSpPr>
+          <p:nvPr>
+            <p:ph type="title"/>
+          </p:nvPr>
+        </p:nvSpPr>
+        <p:spPr/>
+        <p:txBody>
+          <a:bodyPr/>
+          <a:lstStyle/>
+          <a:p>
+            <a:pPr eaLnBrk="1" hangingPunct="1"/>
+            <a:r>
+              <a:rPr lang="en-US" altLang="zh-CN" smtClean="0"/>
+              <a:t>8</a:t>
+            </a:r>
+            <a:r>
+              <a:rPr lang="zh-CN" altLang="en-US" smtClean="0"/>
+              <a:t>、软件维护</a:t>
+            </a:r>
+            <a:endParaRPr lang="zh-CN" altLang="en-US" smtClean="0"/>
+          </a:p>
+        </p:txBody>
+      </p:sp>
+      <p:sp>
+        <p:nvSpPr>
+          <p:cNvPr id="39939" name="Rectangle 3"/>
+          <p:cNvSpPr>
+            <a:spLocks noGrp="1" noChangeArrowheads="1"/>
+          </p:cNvSpPr>
+          <p:nvPr>
+            <p:ph type="body" idx="1"/>
+          </p:nvPr>
+        </p:nvSpPr>
+        <p:spPr/>
+        <p:txBody>
+          <a:bodyPr/>
+          <a:lstStyle/>
+          <a:p>
+            <a:pPr eaLnBrk="1" hangingPunct="1"/>
+            <a:r>
+              <a:rPr lang="zh-CN" altLang="en-US" dirty="0" smtClean="0"/>
+              <a:t>未发现的</a:t>
+            </a:r>
+            <a:r>
+              <a:rPr lang="en-US" altLang="zh-CN" dirty="0" smtClean="0"/>
+              <a:t>Bug</a:t>
+            </a:r>
+            <a:endParaRPr lang="zh-CN" altLang="en-US" dirty="0" smtClean="0"/>
+          </a:p>
+          <a:p>
+            <a:pPr eaLnBrk="1" hangingPunct="1"/>
+            <a:r>
+              <a:rPr lang="zh-CN" altLang="en-US" dirty="0" smtClean="0"/>
+              <a:t>需求改变</a:t>
+            </a:r>
+            <a:endParaRPr lang="zh-CN" altLang="en-US" dirty="0" smtClean="0"/>
+          </a:p>
+          <a:p>
+            <a:pPr eaLnBrk="1" hangingPunct="1"/>
+            <a:r>
+              <a:rPr lang="zh-CN" altLang="en-US" dirty="0" smtClean="0"/>
+              <a:t>版本升级兼容</a:t>
+            </a:r>
+            <a:endParaRPr lang="zh-CN" altLang="en-US" dirty="0" smtClean="0"/>
+          </a:p>
+          <a:p>
+            <a:pPr eaLnBrk="1" hangingPunct="1"/>
+            <a:r>
+              <a:rPr lang="zh-CN" altLang="en-US" dirty="0" smtClean="0"/>
+              <a:t>售后培训</a:t>
+            </a:r>
+            <a:endParaRPr lang="zh-CN" altLang="en-US" dirty="0" smtClean="0"/>
+          </a:p>
+          <a:p>
+            <a:pPr eaLnBrk="1" hangingPunct="1"/>
+            <a:r>
+              <a:rPr lang="en-US" altLang="zh-CN" dirty="0" smtClean="0">
+                <a:latin typeface="Arial" charset="0"/>
+              </a:rPr>
+              <a:t>……</a:t>
+            </a:r>
+            <a:endParaRPr lang="en-US" altLang="zh-CN" dirty="0" smtClean="0"/>
+          </a:p>
+        </p:txBody>
+      </p:sp>
+      <p:sp>
+        <p:nvSpPr>
+          <p:cNvPr id="2" name="Slide Number Placeholder 1"/>
+          <p:cNvSpPr>
+            <a:spLocks noGrp="1"/>
+          </p:cNvSpPr>
+          <p:nvPr>
+            <p:ph type="sldNum" sz="quarter" idx="11"/>
+          </p:nvPr>
+        </p:nvSpPr>
+        <p:spPr/>
+        <p:txBody>
+          <a:bodyPr/>
+          <a:p>
+            <a:pPr>
+              <a:defRPr/>
+            </a:pPr>
+            <a:fld id="{796397BA-8A15-4EA2-81EE-FBE380B2F1EA}" type="slidenum">
+              <a:rPr lang="en-US" altLang="zh-CN"/>
+            </a:fld>
+            <a:endParaRPr lang="en-US" altLang="zh-CN" dirty="0"/>
+          </a:p>
+        </p:txBody>
+      </p:sp>
+    </p:spTree>
+  </p:cSld>
+  <p:clrMapOvr>
+    <a:masterClrMapping/>
+  </p:clrMapOvr>
+  <p:timing>
+    <p:tnLst>
+      <p:par>
+        <p:cTn id="1" dur="indefinite" restart="never" nodeType="tmRoot"/>
+      </p:par>
+    </p:tnLst>
+  </p:timing>
+</p:sld>
+</file>
+
+<file path=ppt/slides/slide31.xml><?xml version="1.0" encoding="utf-8"?>
 <p:sld xmlns:a="http://schemas.openxmlformats.org/drawingml/2006/main" xmlns:r="http://schemas.openxmlformats.org/officeDocument/2006/relationships" xmlns:p="http://schemas.openxmlformats.org/presentationml/2006/main">
   <p:cSld>
     <p:spTree>
@@ -20690,437 +21495,7 @@
 </p:sld>
 </file>
 
-<file path=ppt/slides/slide3.xml><?xml version="1.0" encoding="utf-8"?>
-<p:sld xmlns:a="http://schemas.openxmlformats.org/drawingml/2006/main" xmlns:r="http://schemas.openxmlformats.org/officeDocument/2006/relationships" xmlns:p="http://schemas.openxmlformats.org/presentationml/2006/main">
-  <p:cSld>
-    <p:spTree>
-      <p:nvGrpSpPr>
-        <p:cNvPr id="1" name=""/>
-        <p:cNvGrpSpPr/>
-        <p:nvPr/>
-      </p:nvGrpSpPr>
-      <p:grpSpPr>
-        <a:xfrm>
-          <a:off x="0" y="0"/>
-          <a:ext cx="0" cy="0"/>
-          <a:chOff x="0" y="0"/>
-          <a:chExt cx="0" cy="0"/>
-        </a:xfrm>
-      </p:grpSpPr>
-      <p:sp>
-        <p:nvSpPr>
-          <p:cNvPr id="10242" name="Rectangle 2"/>
-          <p:cNvSpPr>
-            <a:spLocks noGrp="1" noChangeArrowheads="1"/>
-          </p:cNvSpPr>
-          <p:nvPr>
-            <p:ph type="title"/>
-          </p:nvPr>
-        </p:nvSpPr>
-        <p:spPr/>
-        <p:txBody>
-          <a:bodyPr/>
-          <a:lstStyle/>
-          <a:p>
-            <a:pPr eaLnBrk="1" hangingPunct="1"/>
-            <a:r>
-              <a:rPr lang="zh-CN" altLang="en-US" smtClean="0"/>
-              <a:t>软件开发流程概述</a:t>
-            </a:r>
-            <a:endParaRPr lang="zh-CN" altLang="en-US" smtClean="0"/>
-          </a:p>
-        </p:txBody>
-      </p:sp>
-      <p:sp>
-        <p:nvSpPr>
-          <p:cNvPr id="106499" name="Rectangle 3"/>
-          <p:cNvSpPr>
-            <a:spLocks noGrp="1" noChangeArrowheads="1"/>
-          </p:cNvSpPr>
-          <p:nvPr>
-            <p:ph type="body" idx="1"/>
-          </p:nvPr>
-        </p:nvSpPr>
-        <p:spPr/>
-        <p:txBody>
-          <a:bodyPr/>
-          <a:lstStyle/>
-          <a:p>
-            <a:pPr eaLnBrk="1" hangingPunct="1"/>
-            <a:r>
-              <a:rPr lang="zh-CN" altLang="en-US" smtClean="0"/>
-              <a:t>项目：</a:t>
-            </a:r>
-            <a:endParaRPr lang="zh-CN" altLang="en-US" smtClean="0"/>
-          </a:p>
-          <a:p>
-            <a:pPr lvl="1" eaLnBrk="1" hangingPunct="1"/>
-            <a:r>
-              <a:rPr lang="zh-CN" altLang="en-US" smtClean="0"/>
-              <a:t>需求来自某个别用户，定制性能</a:t>
-            </a:r>
-            <a:endParaRPr lang="zh-CN" altLang="en-US" smtClean="0"/>
-          </a:p>
-          <a:p>
-            <a:pPr lvl="1" eaLnBrk="1" hangingPunct="1"/>
-            <a:r>
-              <a:rPr lang="zh-CN" altLang="en-US" smtClean="0"/>
-              <a:t>政府、企业、基金项目</a:t>
-            </a:r>
-            <a:endParaRPr lang="zh-CN" altLang="en-US" smtClean="0"/>
-          </a:p>
-          <a:p>
-            <a:pPr lvl="1" eaLnBrk="1" hangingPunct="1"/>
-            <a:r>
-              <a:rPr lang="zh-CN" altLang="en-US" smtClean="0"/>
-              <a:t>金土资源、</a:t>
-            </a:r>
-            <a:r>
-              <a:rPr lang="en-US" altLang="zh-CN" smtClean="0"/>
-              <a:t>myPKI</a:t>
-            </a:r>
-            <a:endParaRPr lang="en-US" altLang="zh-CN" smtClean="0"/>
-          </a:p>
-          <a:p>
-            <a:pPr eaLnBrk="1" hangingPunct="1"/>
-            <a:r>
-              <a:rPr lang="zh-CN" altLang="en-US" smtClean="0"/>
-              <a:t>产品：</a:t>
-            </a:r>
-            <a:endParaRPr lang="zh-CN" altLang="en-US" smtClean="0"/>
-          </a:p>
-          <a:p>
-            <a:pPr lvl="1" eaLnBrk="1" hangingPunct="1"/>
-            <a:r>
-              <a:rPr lang="zh-CN" altLang="en-US" smtClean="0"/>
-              <a:t>需求来自某类用户，不单独定制</a:t>
-            </a:r>
-            <a:endParaRPr lang="zh-CN" altLang="en-US" smtClean="0"/>
-          </a:p>
-          <a:p>
-            <a:pPr lvl="1" eaLnBrk="1" hangingPunct="1"/>
-            <a:r>
-              <a:rPr lang="en-US" altLang="zh-CN" smtClean="0"/>
-              <a:t>Windows</a:t>
-            </a:r>
-            <a:endParaRPr lang="en-US" altLang="zh-CN" smtClean="0"/>
-          </a:p>
-        </p:txBody>
-      </p:sp>
-      <p:sp>
-        <p:nvSpPr>
-          <p:cNvPr id="2" name="Slide Number Placeholder 1"/>
-          <p:cNvSpPr>
-            <a:spLocks noGrp="1"/>
-          </p:cNvSpPr>
-          <p:nvPr>
-            <p:ph type="sldNum" sz="quarter" idx="11"/>
-          </p:nvPr>
-        </p:nvSpPr>
-        <p:spPr/>
-        <p:txBody>
-          <a:bodyPr/>
-          <a:p>
-            <a:pPr>
-              <a:defRPr/>
-            </a:pPr>
-            <a:fld id="{796397BA-8A15-4EA2-81EE-FBE380B2F1EA}" type="slidenum">
-              <a:rPr lang="en-US" altLang="zh-CN"/>
-            </a:fld>
-            <a:endParaRPr lang="en-US" altLang="zh-CN" dirty="0"/>
-          </a:p>
-        </p:txBody>
-      </p:sp>
-    </p:spTree>
-  </p:cSld>
-  <p:clrMapOvr>
-    <a:masterClrMapping/>
-  </p:clrMapOvr>
-  <p:timing>
-    <p:tnLst>
-      <p:par>
-        <p:cTn id="1" dur="indefinite" restart="never" nodeType="tmRoot">
-          <p:childTnLst>
-            <p:seq concurrent="1" nextAc="seek">
-              <p:cTn id="2" dur="indefinite" nodeType="mainSeq">
-                <p:childTnLst>
-                  <p:par>
-                    <p:cTn id="3" fill="hold">
-                      <p:stCondLst>
-                        <p:cond delay="indefinite"/>
-                      </p:stCondLst>
-                      <p:childTnLst>
-                        <p:par>
-                          <p:cTn id="4" fill="hold">
-                            <p:stCondLst>
-                              <p:cond delay="0"/>
-                            </p:stCondLst>
-                            <p:childTnLst>
-                              <p:par>
-                                <p:cTn id="5" presetID="5" presetClass="entr" presetSubtype="10" fill="hold" nodeType="clickEffect">
-                                  <p:stCondLst>
-                                    <p:cond delay="0"/>
-                                  </p:stCondLst>
-                                  <p:childTnLst>
-                                    <p:set>
-                                      <p:cBhvr>
-                                        <p:cTn id="6" dur="1" fill="hold">
-                                          <p:stCondLst>
-                                            <p:cond delay="0"/>
-                                          </p:stCondLst>
-                                        </p:cTn>
-                                        <p:tgtEl>
-                                          <p:spTgt spid="106499">
-                                            <p:txEl>
-                                              <p:pRg st="1" end="1"/>
-                                            </p:txEl>
-                                          </p:spTgt>
-                                        </p:tgtEl>
-                                        <p:attrNameLst>
-                                          <p:attrName>style.visibility</p:attrName>
-                                        </p:attrNameLst>
-                                      </p:cBhvr>
-                                      <p:to>
-                                        <p:strVal val="visible"/>
-                                      </p:to>
-                                    </p:set>
-                                    <p:animEffect transition="in" filter="checkerboard(across)">
-                                      <p:cBhvr>
-                                        <p:cTn id="7" dur="500"/>
-                                        <p:tgtEl>
-                                          <p:spTgt spid="106499">
-                                            <p:txEl>
-                                              <p:pRg st="1" end="1"/>
-                                            </p:txEl>
-                                          </p:spTgt>
-                                        </p:tgtEl>
-                                      </p:cBhvr>
-                                    </p:animEffect>
-                                  </p:childTnLst>
-                                </p:cTn>
-                              </p:par>
-                              <p:par>
-                                <p:cTn id="8" presetID="5" presetClass="entr" presetSubtype="10" fill="hold" nodeType="withEffect">
-                                  <p:stCondLst>
-                                    <p:cond delay="0"/>
-                                  </p:stCondLst>
-                                  <p:childTnLst>
-                                    <p:set>
-                                      <p:cBhvr>
-                                        <p:cTn id="9" dur="1" fill="hold">
-                                          <p:stCondLst>
-                                            <p:cond delay="0"/>
-                                          </p:stCondLst>
-                                        </p:cTn>
-                                        <p:tgtEl>
-                                          <p:spTgt spid="106499">
-                                            <p:txEl>
-                                              <p:pRg st="2" end="2"/>
-                                            </p:txEl>
-                                          </p:spTgt>
-                                        </p:tgtEl>
-                                        <p:attrNameLst>
-                                          <p:attrName>style.visibility</p:attrName>
-                                        </p:attrNameLst>
-                                      </p:cBhvr>
-                                      <p:to>
-                                        <p:strVal val="visible"/>
-                                      </p:to>
-                                    </p:set>
-                                    <p:animEffect transition="in" filter="checkerboard(across)">
-                                      <p:cBhvr>
-                                        <p:cTn id="10" dur="500"/>
-                                        <p:tgtEl>
-                                          <p:spTgt spid="106499">
-                                            <p:txEl>
-                                              <p:pRg st="2" end="2"/>
-                                            </p:txEl>
-                                          </p:spTgt>
-                                        </p:tgtEl>
-                                      </p:cBhvr>
-                                    </p:animEffect>
-                                  </p:childTnLst>
-                                </p:cTn>
-                              </p:par>
-                              <p:par>
-                                <p:cTn id="11" presetID="5" presetClass="entr" presetSubtype="10" fill="hold" nodeType="withEffect">
-                                  <p:stCondLst>
-                                    <p:cond delay="0"/>
-                                  </p:stCondLst>
-                                  <p:childTnLst>
-                                    <p:set>
-                                      <p:cBhvr>
-                                        <p:cTn id="12" dur="1" fill="hold">
-                                          <p:stCondLst>
-                                            <p:cond delay="0"/>
-                                          </p:stCondLst>
-                                        </p:cTn>
-                                        <p:tgtEl>
-                                          <p:spTgt spid="106499">
-                                            <p:txEl>
-                                              <p:pRg st="3" end="3"/>
-                                            </p:txEl>
-                                          </p:spTgt>
-                                        </p:tgtEl>
-                                        <p:attrNameLst>
-                                          <p:attrName>style.visibility</p:attrName>
-                                        </p:attrNameLst>
-                                      </p:cBhvr>
-                                      <p:to>
-                                        <p:strVal val="visible"/>
-                                      </p:to>
-                                    </p:set>
-                                    <p:animEffect transition="in" filter="checkerboard(across)">
-                                      <p:cBhvr>
-                                        <p:cTn id="13" dur="500"/>
-                                        <p:tgtEl>
-                                          <p:spTgt spid="106499">
-                                            <p:txEl>
-                                              <p:pRg st="3" end="3"/>
-                                            </p:txEl>
-                                          </p:spTgt>
-                                        </p:tgtEl>
-                                      </p:cBhvr>
-                                    </p:animEffect>
-                                  </p:childTnLst>
-                                </p:cTn>
-                              </p:par>
-                            </p:childTnLst>
-                          </p:cTn>
-                        </p:par>
-                      </p:childTnLst>
-                    </p:cTn>
-                  </p:par>
-                  <p:par>
-                    <p:cTn id="14" fill="hold">
-                      <p:stCondLst>
-                        <p:cond delay="indefinite"/>
-                      </p:stCondLst>
-                      <p:childTnLst>
-                        <p:par>
-                          <p:cTn id="15" fill="hold">
-                            <p:stCondLst>
-                              <p:cond delay="0"/>
-                            </p:stCondLst>
-                            <p:childTnLst>
-                              <p:par>
-                                <p:cTn id="16" presetID="5" presetClass="entr" presetSubtype="10" fill="hold" nodeType="clickEffect">
-                                  <p:stCondLst>
-                                    <p:cond delay="0"/>
-                                  </p:stCondLst>
-                                  <p:childTnLst>
-                                    <p:set>
-                                      <p:cBhvr>
-                                        <p:cTn id="17" dur="1" fill="hold">
-                                          <p:stCondLst>
-                                            <p:cond delay="0"/>
-                                          </p:stCondLst>
-                                        </p:cTn>
-                                        <p:tgtEl>
-                                          <p:spTgt spid="106499">
-                                            <p:txEl>
-                                              <p:pRg st="5" end="5"/>
-                                            </p:txEl>
-                                          </p:spTgt>
-                                        </p:tgtEl>
-                                        <p:attrNameLst>
-                                          <p:attrName>style.visibility</p:attrName>
-                                        </p:attrNameLst>
-                                      </p:cBhvr>
-                                      <p:to>
-                                        <p:strVal val="visible"/>
-                                      </p:to>
-                                    </p:set>
-                                    <p:animEffect transition="in" filter="checkerboard(across)">
-                                      <p:cBhvr>
-                                        <p:cTn id="18" dur="500"/>
-                                        <p:tgtEl>
-                                          <p:spTgt spid="106499">
-                                            <p:txEl>
-                                              <p:pRg st="5" end="5"/>
-                                            </p:txEl>
-                                          </p:spTgt>
-                                        </p:tgtEl>
-                                      </p:cBhvr>
-                                    </p:animEffect>
-                                  </p:childTnLst>
-                                </p:cTn>
-                              </p:par>
-                              <p:par>
-                                <p:cTn id="19" presetID="5" presetClass="entr" presetSubtype="10" fill="hold" nodeType="withEffect">
-                                  <p:stCondLst>
-                                    <p:cond delay="0"/>
-                                  </p:stCondLst>
-                                  <p:childTnLst>
-                                    <p:set>
-                                      <p:cBhvr>
-                                        <p:cTn id="20" dur="1" fill="hold">
-                                          <p:stCondLst>
-                                            <p:cond delay="0"/>
-                                          </p:stCondLst>
-                                        </p:cTn>
-                                        <p:tgtEl>
-                                          <p:spTgt spid="106499">
-                                            <p:txEl>
-                                              <p:pRg st="6" end="6"/>
-                                            </p:txEl>
-                                          </p:spTgt>
-                                        </p:tgtEl>
-                                        <p:attrNameLst>
-                                          <p:attrName>style.visibility</p:attrName>
-                                        </p:attrNameLst>
-                                      </p:cBhvr>
-                                      <p:to>
-                                        <p:strVal val="visible"/>
-                                      </p:to>
-                                    </p:set>
-                                    <p:animEffect transition="in" filter="checkerboard(across)">
-                                      <p:cBhvr>
-                                        <p:cTn id="21" dur="500"/>
-                                        <p:tgtEl>
-                                          <p:spTgt spid="106499">
-                                            <p:txEl>
-                                              <p:pRg st="6" end="6"/>
-                                            </p:txEl>
-                                          </p:spTgt>
-                                        </p:tgtEl>
-                                      </p:cBhvr>
-                                    </p:animEffect>
-                                  </p:childTnLst>
-                                </p:cTn>
-                              </p:par>
-                            </p:childTnLst>
-                          </p:cTn>
-                        </p:par>
-                      </p:childTnLst>
-                    </p:cTn>
-                  </p:par>
-                </p:childTnLst>
-              </p:cTn>
-              <p:prevCondLst>
-                <p:cond evt="onPrev" delay="0">
-                  <p:tgtEl>
-                    <p:sldTgt/>
-                  </p:tgtEl>
-                </p:cond>
-              </p:prevCondLst>
-              <p:nextCondLst>
-                <p:cond evt="onNext" delay="0">
-                  <p:tgtEl>
-                    <p:sldTgt/>
-                  </p:tgtEl>
-                </p:cond>
-              </p:nextCondLst>
-            </p:seq>
-          </p:childTnLst>
-        </p:cTn>
-      </p:par>
-    </p:tnLst>
-  </p:timing>
-</p:sld>
-</file>
-
-<file path=ppt/slides/slide30.xml><?xml version="1.0" encoding="utf-8"?>
+<file path=ppt/slides/slide32.xml><?xml version="1.0" encoding="utf-8"?>
 <p:sld xmlns:a="http://schemas.openxmlformats.org/drawingml/2006/main" xmlns:r="http://schemas.openxmlformats.org/officeDocument/2006/relationships" xmlns:p="http://schemas.openxmlformats.org/presentationml/2006/main">
   <p:cSld>
     <p:spTree>
@@ -26076,6 +26451,118 @@
 </file>
 
 <file path=ppt/slides/slide5.xml><?xml version="1.0" encoding="utf-8"?>
+<p:sld xmlns:a="http://schemas.openxmlformats.org/drawingml/2006/main" xmlns:r="http://schemas.openxmlformats.org/officeDocument/2006/relationships" xmlns:p="http://schemas.openxmlformats.org/presentationml/2006/main">
+  <p:cSld>
+    <p:spTree>
+      <p:nvGrpSpPr>
+        <p:cNvPr id="1" name=""/>
+        <p:cNvGrpSpPr/>
+        <p:nvPr/>
+      </p:nvGrpSpPr>
+      <p:grpSpPr>
+        <a:xfrm>
+          <a:off x="0" y="0"/>
+          <a:ext cx="0" cy="0"/>
+          <a:chOff x="0" y="0"/>
+          <a:chExt cx="0" cy="0"/>
+        </a:xfrm>
+      </p:grpSpPr>
+      <p:pic>
+        <p:nvPicPr>
+          <p:cNvPr id="2" name="图片 1" descr="2019-09-21 09:23:20.155000"/>
+          <p:cNvPicPr>
+            <a:picLocks noChangeAspect="1"/>
+          </p:cNvPicPr>
+          <p:nvPr/>
+        </p:nvPicPr>
+        <p:blipFill>
+          <a:blip r:embed="rId1"/>
+          <a:stretch>
+            <a:fillRect/>
+          </a:stretch>
+        </p:blipFill>
+        <p:spPr>
+          <a:xfrm>
+            <a:off x="2103755" y="0"/>
+            <a:ext cx="4935855" cy="6858000"/>
+          </a:xfrm>
+          <a:prstGeom prst="rect">
+            <a:avLst/>
+          </a:prstGeom>
+        </p:spPr>
+      </p:pic>
+    </p:spTree>
+  </p:cSld>
+  <p:clrMapOvr>
+    <a:masterClrMapping/>
+  </p:clrMapOvr>
+  <p:timing>
+    <p:tnLst>
+      <p:par>
+        <p:cTn id="1" dur="indefinite" restart="never" nodeType="tmRoot"/>
+      </p:par>
+    </p:tnLst>
+  </p:timing>
+</p:sld>
+</file>
+
+<file path=ppt/slides/slide6.xml><?xml version="1.0" encoding="utf-8"?>
+<p:sld xmlns:a="http://schemas.openxmlformats.org/drawingml/2006/main" xmlns:r="http://schemas.openxmlformats.org/officeDocument/2006/relationships" xmlns:p="http://schemas.openxmlformats.org/presentationml/2006/main">
+  <p:cSld>
+    <p:spTree>
+      <p:nvGrpSpPr>
+        <p:cNvPr id="1" name=""/>
+        <p:cNvGrpSpPr/>
+        <p:nvPr/>
+      </p:nvGrpSpPr>
+      <p:grpSpPr>
+        <a:xfrm>
+          <a:off x="0" y="0"/>
+          <a:ext cx="0" cy="0"/>
+          <a:chOff x="0" y="0"/>
+          <a:chExt cx="0" cy="0"/>
+        </a:xfrm>
+      </p:grpSpPr>
+      <p:pic>
+        <p:nvPicPr>
+          <p:cNvPr id="2" name="图片 1" descr="2019-09-21 09:23:43.139000"/>
+          <p:cNvPicPr>
+            <a:picLocks noChangeAspect="1"/>
+          </p:cNvPicPr>
+          <p:nvPr/>
+        </p:nvPicPr>
+        <p:blipFill>
+          <a:blip r:embed="rId1"/>
+          <a:stretch>
+            <a:fillRect/>
+          </a:stretch>
+        </p:blipFill>
+        <p:spPr>
+          <a:xfrm>
+            <a:off x="1209040" y="265430"/>
+            <a:ext cx="6350000" cy="6085205"/>
+          </a:xfrm>
+          <a:prstGeom prst="rect">
+            <a:avLst/>
+          </a:prstGeom>
+        </p:spPr>
+      </p:pic>
+    </p:spTree>
+  </p:cSld>
+  <p:clrMapOvr>
+    <a:masterClrMapping/>
+  </p:clrMapOvr>
+  <p:timing>
+    <p:tnLst>
+      <p:par>
+        <p:cTn id="1" dur="indefinite" restart="never" nodeType="tmRoot"/>
+      </p:par>
+    </p:tnLst>
+  </p:timing>
+</p:sld>
+</file>
+
+<file path=ppt/slides/slide7.xml><?xml version="1.0" encoding="utf-8"?>
 <p:sld xmlns:a="http://schemas.openxmlformats.org/drawingml/2006/main" xmlns:r="http://schemas.openxmlformats.org/officeDocument/2006/relationships" xmlns:p="http://schemas.openxmlformats.org/presentationml/2006/main">
   <p:cSld>
     <p:spTree>
@@ -26780,7 +27267,7 @@
 </p:sld>
 </file>
 
-<file path=ppt/slides/slide6.xml><?xml version="1.0" encoding="utf-8"?>
+<file path=ppt/slides/slide8.xml><?xml version="1.0" encoding="utf-8"?>
 <p:sld xmlns:a="http://schemas.openxmlformats.org/drawingml/2006/main" xmlns:r="http://schemas.openxmlformats.org/officeDocument/2006/relationships" xmlns:p="http://schemas.openxmlformats.org/presentationml/2006/main">
   <p:cSld>
     <p:spTree>
@@ -27268,401 +27755,6 @@
               <a:defRPr/>
             </a:pPr>
             <a:fld id="{8F098D2F-26B3-4B55-A432-549C0B735620}" type="slidenum">
-              <a:rPr lang="en-US" altLang="zh-CN"/>
-            </a:fld>
-            <a:endParaRPr lang="en-US" altLang="zh-CN" dirty="0"/>
-          </a:p>
-        </p:txBody>
-      </p:sp>
-    </p:spTree>
-  </p:cSld>
-  <p:clrMapOvr>
-    <a:masterClrMapping/>
-  </p:clrMapOvr>
-  <p:timing>
-    <p:tnLst>
-      <p:par>
-        <p:cTn id="1" dur="indefinite" restart="never" nodeType="tmRoot"/>
-      </p:par>
-    </p:tnLst>
-  </p:timing>
-</p:sld>
-</file>
-
-<file path=ppt/slides/slide7.xml><?xml version="1.0" encoding="utf-8"?>
-<p:sld xmlns:a="http://schemas.openxmlformats.org/drawingml/2006/main" xmlns:r="http://schemas.openxmlformats.org/officeDocument/2006/relationships" xmlns:p="http://schemas.openxmlformats.org/presentationml/2006/main">
-  <p:cSld>
-    <p:spTree>
-      <p:nvGrpSpPr>
-        <p:cNvPr id="1" name=""/>
-        <p:cNvGrpSpPr/>
-        <p:nvPr/>
-      </p:nvGrpSpPr>
-      <p:grpSpPr>
-        <a:xfrm>
-          <a:off x="0" y="0"/>
-          <a:ext cx="0" cy="0"/>
-          <a:chOff x="0" y="0"/>
-          <a:chExt cx="0" cy="0"/>
-        </a:xfrm>
-      </p:grpSpPr>
-      <p:sp>
-        <p:nvSpPr>
-          <p:cNvPr id="15362" name="Rectangle 2"/>
-          <p:cNvSpPr>
-            <a:spLocks noGrp="1" noChangeArrowheads="1"/>
-          </p:cNvSpPr>
-          <p:nvPr>
-            <p:ph type="title"/>
-          </p:nvPr>
-        </p:nvSpPr>
-        <p:spPr/>
-        <p:txBody>
-          <a:bodyPr/>
-          <a:lstStyle/>
-          <a:p>
-            <a:pPr eaLnBrk="1" hangingPunct="1"/>
-            <a:r>
-              <a:rPr lang="en-US" altLang="zh-CN" smtClean="0"/>
-              <a:t>2</a:t>
-            </a:r>
-            <a:r>
-              <a:rPr lang="zh-CN" altLang="en-US" smtClean="0"/>
-              <a:t>、需求分析</a:t>
-            </a:r>
-            <a:r>
-              <a:rPr lang="en-US" altLang="zh-CN" smtClean="0">
-                <a:latin typeface="Arial" charset="0"/>
-              </a:rPr>
-              <a:t>——</a:t>
-            </a:r>
-            <a:r>
-              <a:rPr lang="zh-CN" altLang="en-US" sz="3600" smtClean="0">
-                <a:solidFill>
-                  <a:schemeClr val="hlink"/>
-                </a:solidFill>
-              </a:rPr>
-              <a:t>有所为有所不为</a:t>
-            </a:r>
-            <a:endParaRPr lang="zh-CN" altLang="en-US" sz="3600" smtClean="0">
-              <a:solidFill>
-                <a:schemeClr val="hlink"/>
-              </a:solidFill>
-            </a:endParaRPr>
-          </a:p>
-        </p:txBody>
-      </p:sp>
-      <p:sp>
-        <p:nvSpPr>
-          <p:cNvPr id="15363" name="Rectangle 3"/>
-          <p:cNvSpPr>
-            <a:spLocks noGrp="1" noChangeArrowheads="1"/>
-          </p:cNvSpPr>
-          <p:nvPr>
-            <p:ph type="body" idx="1"/>
-          </p:nvPr>
-        </p:nvSpPr>
-        <p:spPr>
-          <a:xfrm>
-            <a:off x="685800" y="1447800"/>
-            <a:ext cx="7888288" cy="5029200"/>
-          </a:xfrm>
-        </p:spPr>
-        <p:txBody>
-          <a:bodyPr/>
-          <a:lstStyle/>
-          <a:p>
-            <a:pPr eaLnBrk="1" hangingPunct="1"/>
-            <a:r>
-              <a:rPr lang="zh-CN" altLang="en-US" dirty="0" smtClean="0"/>
-              <a:t>重要性：</a:t>
-            </a:r>
-            <a:endParaRPr lang="zh-CN" altLang="en-US" dirty="0" smtClean="0"/>
-          </a:p>
-          <a:p>
-            <a:pPr eaLnBrk="1" hangingPunct="1"/>
-            <a:r>
-              <a:rPr lang="zh-CN" altLang="en-US" dirty="0" smtClean="0"/>
-              <a:t>难点</a:t>
-            </a:r>
-            <a:r>
-              <a:rPr lang="en-US" altLang="zh-CN" dirty="0" smtClean="0"/>
-              <a:t>:</a:t>
-            </a:r>
-            <a:endParaRPr lang="en-US" altLang="zh-CN" dirty="0" smtClean="0"/>
-          </a:p>
-          <a:p>
-            <a:pPr lvl="1" eaLnBrk="1" hangingPunct="1"/>
-            <a:r>
-              <a:rPr lang="zh-CN" altLang="en-US" dirty="0" smtClean="0"/>
-              <a:t>用户需求不断改变、交流理解有误差</a:t>
-            </a:r>
-            <a:endParaRPr lang="zh-CN" altLang="en-US" dirty="0" smtClean="0"/>
-          </a:p>
-          <a:p>
-            <a:pPr eaLnBrk="1" hangingPunct="1"/>
-            <a:r>
-              <a:rPr lang="zh-CN" altLang="en-US" dirty="0" smtClean="0"/>
-              <a:t>内容：</a:t>
-            </a:r>
-            <a:endParaRPr lang="zh-CN" altLang="en-US" dirty="0" smtClean="0"/>
-          </a:p>
-          <a:p>
-            <a:pPr lvl="1" eaLnBrk="1" hangingPunct="1"/>
-            <a:r>
-              <a:rPr lang="zh-CN" altLang="en-US" dirty="0" smtClean="0"/>
-              <a:t>功能需求</a:t>
-            </a:r>
-            <a:endParaRPr lang="zh-CN" altLang="en-US" dirty="0" smtClean="0"/>
-          </a:p>
-          <a:p>
-            <a:pPr lvl="1" eaLnBrk="1" hangingPunct="1"/>
-            <a:r>
-              <a:rPr lang="zh-CN" altLang="en-US" dirty="0" smtClean="0"/>
-              <a:t>性能指标</a:t>
-            </a:r>
-            <a:endParaRPr lang="zh-CN" altLang="en-US" dirty="0" smtClean="0"/>
-          </a:p>
-          <a:p>
-            <a:pPr lvl="1" eaLnBrk="1" hangingPunct="1"/>
-            <a:r>
-              <a:rPr lang="zh-CN" altLang="en-US" dirty="0" smtClean="0"/>
-              <a:t>环境需求：软、硬件环境</a:t>
-            </a:r>
-            <a:endParaRPr lang="zh-CN" altLang="en-US" dirty="0" smtClean="0"/>
-          </a:p>
-          <a:p>
-            <a:pPr lvl="1" eaLnBrk="1" hangingPunct="1"/>
-            <a:r>
-              <a:rPr lang="zh-CN" altLang="en-US" dirty="0" smtClean="0"/>
-              <a:t>界面需求：人机交互方式</a:t>
-            </a:r>
-            <a:endParaRPr lang="zh-CN" altLang="en-US" dirty="0" smtClean="0"/>
-          </a:p>
-          <a:p>
-            <a:pPr eaLnBrk="1" hangingPunct="1"/>
-            <a:r>
-              <a:rPr lang="zh-CN" altLang="en-US" dirty="0" smtClean="0"/>
-              <a:t>使用工具：</a:t>
-            </a:r>
-            <a:r>
-              <a:rPr lang="en-US" altLang="zh-CN" dirty="0" smtClean="0"/>
-              <a:t>Rational Rose</a:t>
-            </a:r>
-            <a:r>
-              <a:rPr lang="zh-CN" altLang="en-US" dirty="0" smtClean="0"/>
-              <a:t>、</a:t>
-            </a:r>
-            <a:r>
-              <a:rPr lang="en-US" altLang="zh-CN" dirty="0" smtClean="0"/>
-              <a:t>Visio</a:t>
-            </a:r>
-            <a:endParaRPr lang="en-US" altLang="zh-CN" dirty="0" smtClean="0"/>
-          </a:p>
-        </p:txBody>
-      </p:sp>
-      <p:sp>
-        <p:nvSpPr>
-          <p:cNvPr id="2" name="Slide Number Placeholder 1"/>
-          <p:cNvSpPr>
-            <a:spLocks noGrp="1"/>
-          </p:cNvSpPr>
-          <p:nvPr>
-            <p:ph type="sldNum" sz="quarter" idx="11"/>
-          </p:nvPr>
-        </p:nvSpPr>
-        <p:spPr/>
-        <p:txBody>
-          <a:bodyPr/>
-          <a:p>
-            <a:pPr>
-              <a:defRPr/>
-            </a:pPr>
-            <a:fld id="{796397BA-8A15-4EA2-81EE-FBE380B2F1EA}" type="slidenum">
-              <a:rPr lang="en-US" altLang="zh-CN"/>
-            </a:fld>
-            <a:endParaRPr lang="en-US" altLang="zh-CN" dirty="0"/>
-          </a:p>
-        </p:txBody>
-      </p:sp>
-    </p:spTree>
-  </p:cSld>
-  <p:clrMapOvr>
-    <a:masterClrMapping/>
-  </p:clrMapOvr>
-  <p:timing>
-    <p:tnLst>
-      <p:par>
-        <p:cTn id="1" dur="indefinite" restart="never" nodeType="tmRoot"/>
-      </p:par>
-    </p:tnLst>
-  </p:timing>
-</p:sld>
-</file>
-
-<file path=ppt/slides/slide8.xml><?xml version="1.0" encoding="utf-8"?>
-<p:sld xmlns:a="http://schemas.openxmlformats.org/drawingml/2006/main" xmlns:r="http://schemas.openxmlformats.org/officeDocument/2006/relationships" xmlns:p="http://schemas.openxmlformats.org/presentationml/2006/main">
-  <p:cSld>
-    <p:spTree>
-      <p:nvGrpSpPr>
-        <p:cNvPr id="1" name=""/>
-        <p:cNvGrpSpPr/>
-        <p:nvPr/>
-      </p:nvGrpSpPr>
-      <p:grpSpPr>
-        <a:xfrm>
-          <a:off x="0" y="0"/>
-          <a:ext cx="0" cy="0"/>
-          <a:chOff x="0" y="0"/>
-          <a:chExt cx="0" cy="0"/>
-        </a:xfrm>
-      </p:grpSpPr>
-      <p:sp>
-        <p:nvSpPr>
-          <p:cNvPr id="16386" name="Rectangle 2"/>
-          <p:cNvSpPr>
-            <a:spLocks noGrp="1" noChangeArrowheads="1"/>
-          </p:cNvSpPr>
-          <p:nvPr>
-            <p:ph type="title"/>
-          </p:nvPr>
-        </p:nvSpPr>
-        <p:spPr/>
-        <p:txBody>
-          <a:bodyPr/>
-          <a:lstStyle/>
-          <a:p>
-            <a:pPr eaLnBrk="1" hangingPunct="1"/>
-            <a:r>
-              <a:rPr lang="en-US" altLang="zh-CN" smtClean="0"/>
-              <a:t>3</a:t>
-            </a:r>
-            <a:r>
-              <a:rPr lang="zh-CN" altLang="en-US" smtClean="0"/>
-              <a:t>、系统设计</a:t>
-            </a:r>
-            <a:r>
-              <a:rPr lang="en-US" altLang="zh-CN" smtClean="0">
-                <a:latin typeface="Arial" charset="0"/>
-              </a:rPr>
-              <a:t>——</a:t>
-            </a:r>
-            <a:r>
-              <a:rPr lang="zh-CN" altLang="en-US" smtClean="0">
-                <a:solidFill>
-                  <a:schemeClr val="hlink"/>
-                </a:solidFill>
-              </a:rPr>
-              <a:t>架构师</a:t>
-            </a:r>
-            <a:endParaRPr lang="zh-CN" altLang="en-US" smtClean="0">
-              <a:solidFill>
-                <a:schemeClr val="hlink"/>
-              </a:solidFill>
-            </a:endParaRPr>
-          </a:p>
-        </p:txBody>
-      </p:sp>
-      <p:sp>
-        <p:nvSpPr>
-          <p:cNvPr id="16387" name="Rectangle 3"/>
-          <p:cNvSpPr>
-            <a:spLocks noGrp="1" noChangeArrowheads="1"/>
-          </p:cNvSpPr>
-          <p:nvPr>
-            <p:ph type="body" idx="1"/>
-          </p:nvPr>
-        </p:nvSpPr>
-        <p:spPr/>
-        <p:txBody>
-          <a:bodyPr/>
-          <a:lstStyle/>
-          <a:p>
-            <a:pPr eaLnBrk="1" hangingPunct="1"/>
-            <a:r>
-              <a:rPr lang="zh-CN" altLang="en-US" dirty="0" smtClean="0"/>
-              <a:t>软件体系结构属于系统设计</a:t>
-            </a:r>
-            <a:endParaRPr lang="zh-CN" altLang="en-US" dirty="0" smtClean="0"/>
-          </a:p>
-          <a:p>
-            <a:pPr eaLnBrk="1" hangingPunct="1"/>
-            <a:r>
-              <a:rPr lang="zh-CN" altLang="en-US" dirty="0" smtClean="0"/>
-              <a:t>可分两个阶段：总体设计和详细设计</a:t>
-            </a:r>
-            <a:endParaRPr lang="zh-CN" altLang="en-US" dirty="0" smtClean="0"/>
-          </a:p>
-          <a:p>
-            <a:pPr eaLnBrk="1" hangingPunct="1"/>
-            <a:r>
-              <a:rPr lang="zh-CN" altLang="en-US" dirty="0" smtClean="0"/>
-              <a:t>总体设计：</a:t>
-            </a:r>
-            <a:endParaRPr lang="zh-CN" altLang="en-US" dirty="0" smtClean="0"/>
-          </a:p>
-          <a:p>
-            <a:pPr lvl="1" eaLnBrk="1" hangingPunct="1"/>
-            <a:r>
-              <a:rPr lang="zh-CN" altLang="en-US" dirty="0" smtClean="0"/>
-              <a:t>需求分析的结果</a:t>
-            </a:r>
-            <a:r>
-              <a:rPr lang="en-US" altLang="zh-CN" dirty="0" smtClean="0">
-                <a:latin typeface="Arial" charset="0"/>
-              </a:rPr>
-              <a:t>——</a:t>
-            </a:r>
-            <a:r>
-              <a:rPr lang="zh-CN" altLang="en-US" dirty="0" smtClean="0"/>
-              <a:t>软件体系构架、结构</a:t>
-            </a:r>
-            <a:endParaRPr lang="zh-CN" altLang="en-US" dirty="0" smtClean="0"/>
-          </a:p>
-          <a:p>
-            <a:pPr lvl="1" eaLnBrk="1" hangingPunct="1"/>
-            <a:r>
-              <a:rPr lang="zh-CN" altLang="en-US" dirty="0" smtClean="0"/>
-              <a:t>复杂系统模块进行功能划分、建立层次结构</a:t>
-            </a:r>
-            <a:endParaRPr lang="zh-CN" altLang="en-US" dirty="0" smtClean="0"/>
-          </a:p>
-          <a:p>
-            <a:pPr eaLnBrk="1" hangingPunct="1"/>
-            <a:r>
-              <a:rPr lang="zh-CN" altLang="en-US" dirty="0" smtClean="0"/>
-              <a:t>详细设计：</a:t>
-            </a:r>
-            <a:endParaRPr lang="zh-CN" altLang="en-US" dirty="0" smtClean="0"/>
-          </a:p>
-          <a:p>
-            <a:pPr lvl="1" eaLnBrk="1" hangingPunct="1"/>
-            <a:r>
-              <a:rPr lang="zh-CN" altLang="en-US" dirty="0" smtClean="0"/>
-              <a:t>各个模块的功能设计</a:t>
-            </a:r>
-            <a:endParaRPr lang="zh-CN" altLang="en-US" dirty="0" smtClean="0"/>
-          </a:p>
-        </p:txBody>
-      </p:sp>
-      <p:sp>
-        <p:nvSpPr>
-          <p:cNvPr id="2" name="Slide Number Placeholder 1"/>
-          <p:cNvSpPr>
-            <a:spLocks noGrp="1"/>
-          </p:cNvSpPr>
-          <p:nvPr>
-            <p:ph type="sldNum" sz="quarter" idx="11"/>
-          </p:nvPr>
-        </p:nvSpPr>
-        <p:spPr/>
-        <p:txBody>
-          <a:bodyPr/>
-          <a:p>
-            <a:pPr>
-              <a:defRPr/>
-            </a:pPr>
-            <a:fld id="{796397BA-8A15-4EA2-81EE-FBE380B2F1EA}" type="slidenum">
               <a:rPr lang="en-US" altLang="zh-CN"/>
             </a:fld>
             <a:endParaRPr lang="en-US" altLang="zh-CN" dirty="0"/>
@@ -27703,7 +27795,7 @@
       </p:grpSpPr>
       <p:sp>
         <p:nvSpPr>
-          <p:cNvPr id="17410" name="Rectangle 2"/>
+          <p:cNvPr id="15362" name="Rectangle 2"/>
           <p:cNvSpPr>
             <a:spLocks noGrp="1" noChangeArrowheads="1"/>
           </p:cNvSpPr>
@@ -27719,11 +27811,11 @@
             <a:pPr eaLnBrk="1" hangingPunct="1"/>
             <a:r>
               <a:rPr lang="en-US" altLang="zh-CN" smtClean="0"/>
-              <a:t>3</a:t>
+              <a:t>2</a:t>
             </a:r>
             <a:r>
               <a:rPr lang="zh-CN" altLang="en-US" smtClean="0"/>
-              <a:t>、系统设计</a:t>
+              <a:t>、需求分析</a:t>
             </a:r>
             <a:r>
               <a:rPr lang="en-US" altLang="zh-CN" smtClean="0">
@@ -27732,108 +27824,130 @@
               <a:t>——</a:t>
             </a:r>
             <a:r>
-              <a:rPr lang="zh-CN" altLang="en-US" smtClean="0"/>
-              <a:t>流程</a:t>
-            </a:r>
-            <a:endParaRPr lang="zh-CN" altLang="en-US" smtClean="0"/>
+              <a:rPr lang="zh-CN" altLang="en-US" sz="3600" smtClean="0">
+                <a:solidFill>
+                  <a:schemeClr val="hlink"/>
+                </a:solidFill>
+              </a:rPr>
+              <a:t>有所为有所不为</a:t>
+            </a:r>
+            <a:endParaRPr lang="zh-CN" altLang="en-US" sz="3600" smtClean="0">
+              <a:solidFill>
+                <a:schemeClr val="hlink"/>
+              </a:solidFill>
+            </a:endParaRPr>
           </a:p>
         </p:txBody>
       </p:sp>
-      <p:graphicFrame>
-        <p:nvGraphicFramePr>
-          <p:cNvPr id="17411" name="Object 4"/>
-          <p:cNvGraphicFramePr>
-            <a:graphicFrameLocks noGrp="1" noChangeAspect="1"/>
-          </p:cNvGraphicFramePr>
+      <p:sp>
+        <p:nvSpPr>
+          <p:cNvPr id="15363" name="Rectangle 3"/>
+          <p:cNvSpPr>
+            <a:spLocks noGrp="1" noChangeArrowheads="1"/>
+          </p:cNvSpPr>
           <p:nvPr>
-            <p:ph idx="1"/>
+            <p:ph type="body" idx="1"/>
           </p:nvPr>
-        </p:nvGraphicFramePr>
-        <p:xfrm>
-          <a:off x="1219200" y="1295400"/>
-          <a:ext cx="5943600" cy="4619625"/>
-        </p:xfrm>
-        <a:graphic>
-          <a:graphicData uri="http://schemas.openxmlformats.org/presentationml/2006/ole">
-            <mc:AlternateContent xmlns:mc="http://schemas.openxmlformats.org/markup-compatibility/2006">
-              <mc:Choice xmlns:v="urn:schemas-microsoft-com:vml" Requires="v">
-                <p:oleObj spid="_x0000_s17434" name="Visio" r:id="rId1" imgW="0" imgH="0" progId="Visio.Drawing.11">
-                  <p:embed/>
-                </p:oleObj>
-              </mc:Choice>
-              <mc:Fallback>
-                <p:oleObj name="Visio" r:id="rId1" imgW="0" imgH="0" progId="Visio.Drawing.11">
-                  <p:embed/>
-                  <p:pic>
-                    <p:nvPicPr>
-                      <p:cNvPr id="0" name="Object 4"/>
-                      <p:cNvPicPr>
-                        <a:picLocks noGrp="1" noChangeAspect="1" noChangeArrowheads="1"/>
-                      </p:cNvPicPr>
-                      <p:nvPr/>
-                    </p:nvPicPr>
-                    <p:blipFill>
-                      <a:blip r:embed="rId2">
-                        <a:extLst>
-                          <a:ext uri="{28A0092B-C50C-407E-A947-70E740481C1C}">
-                            <a14:useLocalDpi xmlns:a14="http://schemas.microsoft.com/office/drawing/2010/main" val="0"/>
-                          </a:ext>
-                        </a:extLst>
-                      </a:blip>
-                      <a:srcRect/>
-                      <a:stretch>
-                        <a:fillRect/>
-                      </a:stretch>
-                    </p:blipFill>
-                    <p:spPr bwMode="auto">
-                      <a:xfrm>
-                        <a:off x="1219200" y="1295400"/>
-                        <a:ext cx="5943600" cy="4619625"/>
-                      </a:xfrm>
-                      <a:prstGeom prst="rect">
-                        <a:avLst/>
-                      </a:prstGeom>
-                      <a:noFill/>
-                      <a:ln>
-                        <a:noFill/>
-                      </a:ln>
-                      <a:effectLst/>
-                      <a:extLst>
-                        <a:ext uri="{909E8E84-426E-40DD-AFC4-6F175D3DCCD1}">
-                          <a14:hiddenFill xmlns:a14="http://schemas.microsoft.com/office/drawing/2010/main">
-                            <a:solidFill>
-                              <a:schemeClr val="accent1"/>
-                            </a:solidFill>
-                          </a14:hiddenFill>
-                        </a:ext>
-                        <a:ext uri="{91240B29-F687-4F45-9708-019B960494DF}">
-                          <a14:hiddenLine xmlns:a14="http://schemas.microsoft.com/office/drawing/2010/main" w="9525">
-                            <a:solidFill>
-                              <a:schemeClr val="tx1"/>
-                            </a:solidFill>
-                            <a:miter lim="800000"/>
-                            <a:headEnd/>
-                            <a:tailEnd/>
-                          </a14:hiddenLine>
-                        </a:ext>
-                        <a:ext uri="{AF507438-7753-43E0-B8FC-AC1667EBCBE1}">
-                          <a14:hiddenEffects xmlns:a14="http://schemas.microsoft.com/office/drawing/2010/main">
-                            <a:effectLst>
-                              <a:outerShdw dist="35921" dir="2700000" algn="ctr" rotWithShape="0">
-                                <a:schemeClr val="bg2"/>
-                              </a:outerShdw>
-                            </a:effectLst>
-                          </a14:hiddenEffects>
-                        </a:ext>
-                      </a:extLst>
-                    </p:spPr>
-                  </p:pic>
-                </p:oleObj>
-              </mc:Fallback>
-            </mc:AlternateContent>
-          </a:graphicData>
-        </a:graphic>
-      </p:graphicFrame>
+        </p:nvSpPr>
+        <p:spPr>
+          <a:xfrm>
+            <a:off x="685800" y="1447800"/>
+            <a:ext cx="7888288" cy="5029200"/>
+          </a:xfrm>
+        </p:spPr>
+        <p:txBody>
+          <a:bodyPr/>
+          <a:lstStyle/>
+          <a:p>
+            <a:pPr eaLnBrk="1" hangingPunct="1"/>
+            <a:r>
+              <a:rPr lang="zh-CN" altLang="en-US" dirty="0" smtClean="0"/>
+              <a:t>重要性：</a:t>
+            </a:r>
+            <a:endParaRPr lang="zh-CN" altLang="en-US" dirty="0" smtClean="0"/>
+          </a:p>
+          <a:p>
+            <a:pPr eaLnBrk="1" hangingPunct="1"/>
+            <a:r>
+              <a:rPr lang="zh-CN" altLang="en-US" dirty="0" smtClean="0"/>
+              <a:t>难点</a:t>
+            </a:r>
+            <a:r>
+              <a:rPr lang="en-US" altLang="zh-CN" dirty="0" smtClean="0"/>
+              <a:t>:</a:t>
+            </a:r>
+            <a:endParaRPr lang="en-US" altLang="zh-CN" dirty="0" smtClean="0"/>
+          </a:p>
+          <a:p>
+            <a:pPr lvl="1" eaLnBrk="1" hangingPunct="1"/>
+            <a:r>
+              <a:rPr lang="zh-CN" altLang="en-US" dirty="0" smtClean="0"/>
+              <a:t>用户需求不断改变、交流理解有误差</a:t>
+            </a:r>
+            <a:endParaRPr lang="zh-CN" altLang="en-US" dirty="0" smtClean="0"/>
+          </a:p>
+          <a:p>
+            <a:pPr eaLnBrk="1" hangingPunct="1"/>
+            <a:r>
+              <a:rPr lang="zh-CN" altLang="en-US" dirty="0" smtClean="0"/>
+              <a:t>内容：</a:t>
+            </a:r>
+            <a:endParaRPr lang="zh-CN" altLang="en-US" dirty="0" smtClean="0"/>
+          </a:p>
+          <a:p>
+            <a:pPr lvl="1" eaLnBrk="1" hangingPunct="1"/>
+            <a:r>
+              <a:rPr lang="zh-CN" altLang="en-US" dirty="0" smtClean="0"/>
+              <a:t>功能需求</a:t>
+            </a:r>
+            <a:endParaRPr lang="zh-CN" altLang="en-US" dirty="0" smtClean="0"/>
+          </a:p>
+          <a:p>
+            <a:pPr lvl="1" eaLnBrk="1" hangingPunct="1"/>
+            <a:r>
+              <a:rPr lang="zh-CN" altLang="en-US" dirty="0" smtClean="0"/>
+              <a:t>性能指标</a:t>
+            </a:r>
+            <a:endParaRPr lang="zh-CN" altLang="en-US" dirty="0" smtClean="0"/>
+          </a:p>
+          <a:p>
+            <a:pPr lvl="1" eaLnBrk="1" hangingPunct="1"/>
+            <a:r>
+              <a:rPr lang="zh-CN" altLang="en-US" dirty="0" smtClean="0"/>
+              <a:t>环境需求：软、硬件环境</a:t>
+            </a:r>
+            <a:endParaRPr lang="zh-CN" altLang="en-US" dirty="0" smtClean="0"/>
+          </a:p>
+          <a:p>
+            <a:pPr lvl="1" eaLnBrk="1" hangingPunct="1"/>
+            <a:r>
+              <a:rPr lang="zh-CN" altLang="en-US" dirty="0" smtClean="0"/>
+              <a:t>界面需求：人机交互方式</a:t>
+            </a:r>
+            <a:endParaRPr lang="zh-CN" altLang="en-US" dirty="0" smtClean="0"/>
+          </a:p>
+          <a:p>
+            <a:pPr eaLnBrk="1" hangingPunct="1"/>
+            <a:r>
+              <a:rPr lang="zh-CN" altLang="en-US" dirty="0" smtClean="0"/>
+              <a:t>使用工具：</a:t>
+            </a:r>
+            <a:r>
+              <a:rPr lang="en-US" altLang="zh-CN" dirty="0" smtClean="0"/>
+              <a:t>Rational Rose</a:t>
+            </a:r>
+            <a:r>
+              <a:rPr lang="zh-CN" altLang="en-US" dirty="0" smtClean="0"/>
+              <a:t>、</a:t>
+            </a:r>
+            <a:r>
+              <a:rPr lang="en-US" altLang="zh-CN" dirty="0" smtClean="0"/>
+              <a:t>Visio</a:t>
+            </a:r>
+            <a:endParaRPr lang="en-US" altLang="zh-CN" dirty="0" smtClean="0"/>
+          </a:p>
+        </p:txBody>
+      </p:sp>
       <p:sp>
         <p:nvSpPr>
           <p:cNvPr id="2" name="Slide Number Placeholder 1"/>
